--- a/Praesentation/Nationale und internationale Datenschutzregelungen in sozialen Netzwerken.pptx
+++ b/Praesentation/Nationale und internationale Datenschutzregelungen in sozialen Netzwerken.pptx
@@ -4,6 +4,9 @@
   <p:sldMasterIdLst>
     <p:sldMasterId id="2147483689" r:id="rId1"/>
   </p:sldMasterIdLst>
+  <p:notesMasterIdLst>
+    <p:notesMasterId r:id="rId6"/>
+  </p:notesMasterIdLst>
   <p:sldIdLst>
     <p:sldId id="256" r:id="rId2"/>
     <p:sldId id="257" r:id="rId3"/>
@@ -107,7 +110,825 @@
       </a:defRPr>
     </a:lvl9pPr>
   </p:defaultTextStyle>
+  <p:extLst>
+    <p:ext uri="{EFAFB233-063F-42B5-8137-9DF3F51BA10A}">
+      <p15:sldGuideLst xmlns:p15="http://schemas.microsoft.com/office/powerpoint/2012/main"/>
+    </p:ext>
+  </p:extLst>
 </p:presentation>
+</file>
+
+<file path=ppt/notesMasters/notesMaster1.xml><?xml version="1.0" encoding="utf-8"?>
+<p:notesMaster xmlns:a="http://schemas.openxmlformats.org/drawingml/2006/main" xmlns:r="http://schemas.openxmlformats.org/officeDocument/2006/relationships" xmlns:p="http://schemas.openxmlformats.org/presentationml/2006/main">
+  <p:cSld>
+    <p:bg>
+      <p:bgRef idx="1001">
+        <a:schemeClr val="bg1"/>
+      </p:bgRef>
+    </p:bg>
+    <p:spTree>
+      <p:nvGrpSpPr>
+        <p:cNvPr id="1" name=""/>
+        <p:cNvGrpSpPr/>
+        <p:nvPr/>
+      </p:nvGrpSpPr>
+      <p:grpSpPr>
+        <a:xfrm>
+          <a:off x="0" y="0"/>
+          <a:ext cx="0" cy="0"/>
+          <a:chOff x="0" y="0"/>
+          <a:chExt cx="0" cy="0"/>
+        </a:xfrm>
+      </p:grpSpPr>
+      <p:sp>
+        <p:nvSpPr>
+          <p:cNvPr id="2" name="Header Placeholder 1"/>
+          <p:cNvSpPr>
+            <a:spLocks noGrp="1"/>
+          </p:cNvSpPr>
+          <p:nvPr>
+            <p:ph type="hdr" sz="quarter"/>
+          </p:nvPr>
+        </p:nvSpPr>
+        <p:spPr>
+          <a:xfrm>
+            <a:off x="0" y="0"/>
+            <a:ext cx="2971800" cy="458788"/>
+          </a:xfrm>
+          <a:prstGeom prst="rect">
+            <a:avLst/>
+          </a:prstGeom>
+        </p:spPr>
+        <p:txBody>
+          <a:bodyPr vert="horz" lIns="91440" tIns="45720" rIns="91440" bIns="45720" rtlCol="0"/>
+          <a:lstStyle>
+            <a:lvl1pPr algn="l">
+              <a:defRPr sz="1200"/>
+            </a:lvl1pPr>
+          </a:lstStyle>
+          <a:p>
+            <a:endParaRPr lang="en-GB"/>
+          </a:p>
+        </p:txBody>
+      </p:sp>
+      <p:sp>
+        <p:nvSpPr>
+          <p:cNvPr id="3" name="Date Placeholder 2"/>
+          <p:cNvSpPr>
+            <a:spLocks noGrp="1"/>
+          </p:cNvSpPr>
+          <p:nvPr>
+            <p:ph type="dt" idx="1"/>
+          </p:nvPr>
+        </p:nvSpPr>
+        <p:spPr>
+          <a:xfrm>
+            <a:off x="3884613" y="0"/>
+            <a:ext cx="2971800" cy="458788"/>
+          </a:xfrm>
+          <a:prstGeom prst="rect">
+            <a:avLst/>
+          </a:prstGeom>
+        </p:spPr>
+        <p:txBody>
+          <a:bodyPr vert="horz" lIns="91440" tIns="45720" rIns="91440" bIns="45720" rtlCol="0"/>
+          <a:lstStyle>
+            <a:lvl1pPr algn="r">
+              <a:defRPr sz="1200"/>
+            </a:lvl1pPr>
+          </a:lstStyle>
+          <a:p>
+            <a:fld id="{2F6D38FE-A042-4535-A00C-C15C0381F721}" type="datetimeFigureOut">
+              <a:rPr lang="en-GB" smtClean="0"/>
+              <a:t>30/06/2017</a:t>
+            </a:fld>
+            <a:endParaRPr lang="en-GB"/>
+          </a:p>
+        </p:txBody>
+      </p:sp>
+      <p:sp>
+        <p:nvSpPr>
+          <p:cNvPr id="4" name="Slide Image Placeholder 3"/>
+          <p:cNvSpPr>
+            <a:spLocks noGrp="1" noRot="1" noChangeAspect="1"/>
+          </p:cNvSpPr>
+          <p:nvPr>
+            <p:ph type="sldImg" idx="2"/>
+          </p:nvPr>
+        </p:nvSpPr>
+        <p:spPr>
+          <a:xfrm>
+            <a:off x="685800" y="1143000"/>
+            <a:ext cx="5486400" cy="3086100"/>
+          </a:xfrm>
+          <a:prstGeom prst="rect">
+            <a:avLst/>
+          </a:prstGeom>
+          <a:noFill/>
+          <a:ln w="12700">
+            <a:solidFill>
+              <a:prstClr val="black"/>
+            </a:solidFill>
+          </a:ln>
+        </p:spPr>
+        <p:txBody>
+          <a:bodyPr vert="horz" lIns="91440" tIns="45720" rIns="91440" bIns="45720" rtlCol="0" anchor="ctr"/>
+          <a:lstStyle/>
+          <a:p>
+            <a:endParaRPr lang="en-GB"/>
+          </a:p>
+        </p:txBody>
+      </p:sp>
+      <p:sp>
+        <p:nvSpPr>
+          <p:cNvPr id="5" name="Notes Placeholder 4"/>
+          <p:cNvSpPr>
+            <a:spLocks noGrp="1"/>
+          </p:cNvSpPr>
+          <p:nvPr>
+            <p:ph type="body" sz="quarter" idx="3"/>
+          </p:nvPr>
+        </p:nvSpPr>
+        <p:spPr>
+          <a:xfrm>
+            <a:off x="685800" y="4400550"/>
+            <a:ext cx="5486400" cy="3600450"/>
+          </a:xfrm>
+          <a:prstGeom prst="rect">
+            <a:avLst/>
+          </a:prstGeom>
+        </p:spPr>
+        <p:txBody>
+          <a:bodyPr vert="horz" lIns="91440" tIns="45720" rIns="91440" bIns="45720" rtlCol="0"/>
+          <a:lstStyle/>
+          <a:p>
+            <a:pPr lvl="0"/>
+            <a:r>
+              <a:rPr lang="en-US" smtClean="0"/>
+              <a:t>Click to edit Master text styles</a:t>
+            </a:r>
+          </a:p>
+          <a:p>
+            <a:pPr lvl="1"/>
+            <a:r>
+              <a:rPr lang="en-US" smtClean="0"/>
+              <a:t>Second level</a:t>
+            </a:r>
+          </a:p>
+          <a:p>
+            <a:pPr lvl="2"/>
+            <a:r>
+              <a:rPr lang="en-US" smtClean="0"/>
+              <a:t>Third level</a:t>
+            </a:r>
+          </a:p>
+          <a:p>
+            <a:pPr lvl="3"/>
+            <a:r>
+              <a:rPr lang="en-US" smtClean="0"/>
+              <a:t>Fourth level</a:t>
+            </a:r>
+          </a:p>
+          <a:p>
+            <a:pPr lvl="4"/>
+            <a:r>
+              <a:rPr lang="en-US" smtClean="0"/>
+              <a:t>Fifth level</a:t>
+            </a:r>
+            <a:endParaRPr lang="en-GB"/>
+          </a:p>
+        </p:txBody>
+      </p:sp>
+      <p:sp>
+        <p:nvSpPr>
+          <p:cNvPr id="6" name="Footer Placeholder 5"/>
+          <p:cNvSpPr>
+            <a:spLocks noGrp="1"/>
+          </p:cNvSpPr>
+          <p:nvPr>
+            <p:ph type="ftr" sz="quarter" idx="4"/>
+          </p:nvPr>
+        </p:nvSpPr>
+        <p:spPr>
+          <a:xfrm>
+            <a:off x="0" y="8685213"/>
+            <a:ext cx="2971800" cy="458787"/>
+          </a:xfrm>
+          <a:prstGeom prst="rect">
+            <a:avLst/>
+          </a:prstGeom>
+        </p:spPr>
+        <p:txBody>
+          <a:bodyPr vert="horz" lIns="91440" tIns="45720" rIns="91440" bIns="45720" rtlCol="0" anchor="b"/>
+          <a:lstStyle>
+            <a:lvl1pPr algn="l">
+              <a:defRPr sz="1200"/>
+            </a:lvl1pPr>
+          </a:lstStyle>
+          <a:p>
+            <a:endParaRPr lang="en-GB"/>
+          </a:p>
+        </p:txBody>
+      </p:sp>
+      <p:sp>
+        <p:nvSpPr>
+          <p:cNvPr id="7" name="Slide Number Placeholder 6"/>
+          <p:cNvSpPr>
+            <a:spLocks noGrp="1"/>
+          </p:cNvSpPr>
+          <p:nvPr>
+            <p:ph type="sldNum" sz="quarter" idx="5"/>
+          </p:nvPr>
+        </p:nvSpPr>
+        <p:spPr>
+          <a:xfrm>
+            <a:off x="3884613" y="8685213"/>
+            <a:ext cx="2971800" cy="458787"/>
+          </a:xfrm>
+          <a:prstGeom prst="rect">
+            <a:avLst/>
+          </a:prstGeom>
+        </p:spPr>
+        <p:txBody>
+          <a:bodyPr vert="horz" lIns="91440" tIns="45720" rIns="91440" bIns="45720" rtlCol="0" anchor="b"/>
+          <a:lstStyle>
+            <a:lvl1pPr algn="r">
+              <a:defRPr sz="1200"/>
+            </a:lvl1pPr>
+          </a:lstStyle>
+          <a:p>
+            <a:fld id="{1ADF7734-53DD-4CCA-8986-6F26FEC981E7}" type="slidenum">
+              <a:rPr lang="en-GB" smtClean="0"/>
+              <a:t>‹#›</a:t>
+            </a:fld>
+            <a:endParaRPr lang="en-GB"/>
+          </a:p>
+        </p:txBody>
+      </p:sp>
+    </p:spTree>
+    <p:extLst>
+      <p:ext uri="{BB962C8B-B14F-4D97-AF65-F5344CB8AC3E}">
+        <p14:creationId xmlns:p14="http://schemas.microsoft.com/office/powerpoint/2010/main" val="2360298622"/>
+      </p:ext>
+    </p:extLst>
+  </p:cSld>
+  <p:clrMap bg1="lt1" tx1="dk1" bg2="lt2" tx2="dk2" accent1="accent1" accent2="accent2" accent3="accent3" accent4="accent4" accent5="accent5" accent6="accent6" hlink="hlink" folHlink="folHlink"/>
+  <p:notesStyle>
+    <a:lvl1pPr marL="0" algn="l" defTabSz="914400" rtl="0" eaLnBrk="1" latinLnBrk="0" hangingPunct="1">
+      <a:defRPr sz="1200" kern="1200">
+        <a:solidFill>
+          <a:schemeClr val="tx1"/>
+        </a:solidFill>
+        <a:latin typeface="+mn-lt"/>
+        <a:ea typeface="+mn-ea"/>
+        <a:cs typeface="+mn-cs"/>
+      </a:defRPr>
+    </a:lvl1pPr>
+    <a:lvl2pPr marL="457200" algn="l" defTabSz="914400" rtl="0" eaLnBrk="1" latinLnBrk="0" hangingPunct="1">
+      <a:defRPr sz="1200" kern="1200">
+        <a:solidFill>
+          <a:schemeClr val="tx1"/>
+        </a:solidFill>
+        <a:latin typeface="+mn-lt"/>
+        <a:ea typeface="+mn-ea"/>
+        <a:cs typeface="+mn-cs"/>
+      </a:defRPr>
+    </a:lvl2pPr>
+    <a:lvl3pPr marL="914400" algn="l" defTabSz="914400" rtl="0" eaLnBrk="1" latinLnBrk="0" hangingPunct="1">
+      <a:defRPr sz="1200" kern="1200">
+        <a:solidFill>
+          <a:schemeClr val="tx1"/>
+        </a:solidFill>
+        <a:latin typeface="+mn-lt"/>
+        <a:ea typeface="+mn-ea"/>
+        <a:cs typeface="+mn-cs"/>
+      </a:defRPr>
+    </a:lvl3pPr>
+    <a:lvl4pPr marL="1371600" algn="l" defTabSz="914400" rtl="0" eaLnBrk="1" latinLnBrk="0" hangingPunct="1">
+      <a:defRPr sz="1200" kern="1200">
+        <a:solidFill>
+          <a:schemeClr val="tx1"/>
+        </a:solidFill>
+        <a:latin typeface="+mn-lt"/>
+        <a:ea typeface="+mn-ea"/>
+        <a:cs typeface="+mn-cs"/>
+      </a:defRPr>
+    </a:lvl4pPr>
+    <a:lvl5pPr marL="1828800" algn="l" defTabSz="914400" rtl="0" eaLnBrk="1" latinLnBrk="0" hangingPunct="1">
+      <a:defRPr sz="1200" kern="1200">
+        <a:solidFill>
+          <a:schemeClr val="tx1"/>
+        </a:solidFill>
+        <a:latin typeface="+mn-lt"/>
+        <a:ea typeface="+mn-ea"/>
+        <a:cs typeface="+mn-cs"/>
+      </a:defRPr>
+    </a:lvl5pPr>
+    <a:lvl6pPr marL="2286000" algn="l" defTabSz="914400" rtl="0" eaLnBrk="1" latinLnBrk="0" hangingPunct="1">
+      <a:defRPr sz="1200" kern="1200">
+        <a:solidFill>
+          <a:schemeClr val="tx1"/>
+        </a:solidFill>
+        <a:latin typeface="+mn-lt"/>
+        <a:ea typeface="+mn-ea"/>
+        <a:cs typeface="+mn-cs"/>
+      </a:defRPr>
+    </a:lvl6pPr>
+    <a:lvl7pPr marL="2743200" algn="l" defTabSz="914400" rtl="0" eaLnBrk="1" latinLnBrk="0" hangingPunct="1">
+      <a:defRPr sz="1200" kern="1200">
+        <a:solidFill>
+          <a:schemeClr val="tx1"/>
+        </a:solidFill>
+        <a:latin typeface="+mn-lt"/>
+        <a:ea typeface="+mn-ea"/>
+        <a:cs typeface="+mn-cs"/>
+      </a:defRPr>
+    </a:lvl7pPr>
+    <a:lvl8pPr marL="3200400" algn="l" defTabSz="914400" rtl="0" eaLnBrk="1" latinLnBrk="0" hangingPunct="1">
+      <a:defRPr sz="1200" kern="1200">
+        <a:solidFill>
+          <a:schemeClr val="tx1"/>
+        </a:solidFill>
+        <a:latin typeface="+mn-lt"/>
+        <a:ea typeface="+mn-ea"/>
+        <a:cs typeface="+mn-cs"/>
+      </a:defRPr>
+    </a:lvl8pPr>
+    <a:lvl9pPr marL="3657600" algn="l" defTabSz="914400" rtl="0" eaLnBrk="1" latinLnBrk="0" hangingPunct="1">
+      <a:defRPr sz="1200" kern="1200">
+        <a:solidFill>
+          <a:schemeClr val="tx1"/>
+        </a:solidFill>
+        <a:latin typeface="+mn-lt"/>
+        <a:ea typeface="+mn-ea"/>
+        <a:cs typeface="+mn-cs"/>
+      </a:defRPr>
+    </a:lvl9pPr>
+  </p:notesStyle>
+</p:notesMaster>
+</file>
+
+<file path=ppt/notesSlides/notesSlide1.xml><?xml version="1.0" encoding="utf-8"?>
+<p:notes xmlns:a="http://schemas.openxmlformats.org/drawingml/2006/main" xmlns:r="http://schemas.openxmlformats.org/officeDocument/2006/relationships" xmlns:p="http://schemas.openxmlformats.org/presentationml/2006/main">
+  <p:cSld>
+    <p:spTree>
+      <p:nvGrpSpPr>
+        <p:cNvPr id="1" name=""/>
+        <p:cNvGrpSpPr/>
+        <p:nvPr/>
+      </p:nvGrpSpPr>
+      <p:grpSpPr>
+        <a:xfrm>
+          <a:off x="0" y="0"/>
+          <a:ext cx="0" cy="0"/>
+          <a:chOff x="0" y="0"/>
+          <a:chExt cx="0" cy="0"/>
+        </a:xfrm>
+      </p:grpSpPr>
+      <p:sp>
+        <p:nvSpPr>
+          <p:cNvPr id="2" name="Slide Image Placeholder 1"/>
+          <p:cNvSpPr>
+            <a:spLocks noGrp="1" noRot="1" noChangeAspect="1"/>
+          </p:cNvSpPr>
+          <p:nvPr>
+            <p:ph type="sldImg"/>
+          </p:nvPr>
+        </p:nvSpPr>
+        <p:spPr/>
+      </p:sp>
+      <p:sp>
+        <p:nvSpPr>
+          <p:cNvPr id="3" name="Notes Placeholder 2"/>
+          <p:cNvSpPr>
+            <a:spLocks noGrp="1"/>
+          </p:cNvSpPr>
+          <p:nvPr>
+            <p:ph type="body" idx="1"/>
+          </p:nvPr>
+        </p:nvSpPr>
+        <p:spPr/>
+        <p:txBody>
+          <a:bodyPr/>
+          <a:lstStyle/>
+          <a:p>
+            <a:pPr marL="171450" indent="-171450">
+              <a:buFont typeface="Arial" panose="020B0604020202020204" pitchFamily="34" charset="0"/>
+              <a:buChar char="•"/>
+            </a:pPr>
+            <a:r>
+              <a:rPr lang="de-DE" dirty="0" smtClean="0"/>
+              <a:t>BDSG in</a:t>
+            </a:r>
+            <a:r>
+              <a:rPr lang="de-DE" baseline="0" dirty="0" smtClean="0"/>
+              <a:t> der Fassung vom </a:t>
+            </a:r>
+            <a:r>
+              <a:rPr lang="en-GB" sz="1200" b="0" i="0" kern="1200" dirty="0" smtClean="0">
+                <a:solidFill>
+                  <a:schemeClr val="tx1"/>
+                </a:solidFill>
+                <a:effectLst/>
+                <a:latin typeface="+mn-lt"/>
+                <a:ea typeface="+mn-ea"/>
+                <a:cs typeface="+mn-cs"/>
+              </a:rPr>
+              <a:t>14.01.2003, </a:t>
+            </a:r>
+            <a:r>
+              <a:rPr lang="en-GB" sz="1200" b="0" i="0" kern="1200" dirty="0" err="1" smtClean="0">
+                <a:solidFill>
+                  <a:schemeClr val="tx1"/>
+                </a:solidFill>
+                <a:effectLst/>
+                <a:latin typeface="+mn-lt"/>
+                <a:ea typeface="+mn-ea"/>
+                <a:cs typeface="+mn-cs"/>
+              </a:rPr>
+              <a:t>zuletzt</a:t>
+            </a:r>
+            <a:r>
+              <a:rPr lang="en-GB" sz="1200" b="0" i="0" kern="1200" dirty="0" smtClean="0">
+                <a:solidFill>
+                  <a:schemeClr val="tx1"/>
+                </a:solidFill>
+                <a:effectLst/>
+                <a:latin typeface="+mn-lt"/>
+                <a:ea typeface="+mn-ea"/>
+                <a:cs typeface="+mn-cs"/>
+              </a:rPr>
+              <a:t> </a:t>
+            </a:r>
+            <a:r>
+              <a:rPr lang="en-GB" sz="1200" b="0" i="0" kern="1200" dirty="0" err="1" smtClean="0">
+                <a:solidFill>
+                  <a:schemeClr val="tx1"/>
+                </a:solidFill>
+                <a:effectLst/>
+                <a:latin typeface="+mn-lt"/>
+                <a:ea typeface="+mn-ea"/>
+                <a:cs typeface="+mn-cs"/>
+              </a:rPr>
+              <a:t>geändert</a:t>
+            </a:r>
+            <a:r>
+              <a:rPr lang="en-GB" sz="1200" b="0" i="0" kern="1200" smtClean="0">
+                <a:solidFill>
+                  <a:schemeClr val="tx1"/>
+                </a:solidFill>
+                <a:effectLst/>
+                <a:latin typeface="+mn-lt"/>
+                <a:ea typeface="+mn-ea"/>
+                <a:cs typeface="+mn-cs"/>
+              </a:rPr>
+              <a:t> am 28.04.2017</a:t>
+            </a:r>
+            <a:endParaRPr lang="de-DE" dirty="0" smtClean="0"/>
+          </a:p>
+          <a:p>
+            <a:pPr marL="171450" indent="-171450">
+              <a:buFont typeface="Arial" panose="020B0604020202020204" pitchFamily="34" charset="0"/>
+              <a:buChar char="•"/>
+            </a:pPr>
+            <a:r>
+              <a:rPr lang="de-DE" dirty="0" smtClean="0"/>
+              <a:t>Schützt das Persönlichkeitsrecht des Einzelnen beim Umgang mit personenbezogenen Daten (§1 Abs. 1 BDSG)</a:t>
+            </a:r>
+          </a:p>
+          <a:p>
+            <a:r>
+              <a:rPr lang="de-DE" dirty="0" smtClean="0"/>
+              <a:t>Definiert die befugten Stellen zur Erhebung, Verarbeitung und Nutzung der Daten (§1 Abs. 2 BDSG): </a:t>
+            </a:r>
+            <a:r>
+              <a:rPr lang="de-DE" sz="1200" b="0" i="0" u="none" strike="noStrike" kern="1200" baseline="0" dirty="0" smtClean="0">
+                <a:solidFill>
+                  <a:schemeClr val="tx1"/>
+                </a:solidFill>
+                <a:latin typeface="+mn-lt"/>
+                <a:ea typeface="+mn-ea"/>
+                <a:cs typeface="+mn-cs"/>
+              </a:rPr>
+              <a:t>Nicht-öffentliche Stellen (u.a. soziale Netzwerke), soweit sie die Daten unter Einsatz von Datenverarbeitungsanlagen verarbeiten, nutzen oder dafür erheben</a:t>
+            </a:r>
+            <a:endParaRPr lang="de-DE" dirty="0" smtClean="0"/>
+          </a:p>
+          <a:p>
+            <a:r>
+              <a:rPr lang="de-DE" dirty="0" smtClean="0"/>
+              <a:t>Prinzip der Datensparsamkeit (§3a BDSG): </a:t>
+            </a:r>
+            <a:r>
+              <a:rPr lang="de-DE" sz="1200" b="0" i="0" u="none" strike="noStrike" kern="1200" baseline="0" dirty="0" smtClean="0">
+                <a:solidFill>
+                  <a:schemeClr val="tx1"/>
+                </a:solidFill>
+                <a:latin typeface="+mn-lt"/>
+                <a:ea typeface="+mn-ea"/>
+                <a:cs typeface="+mn-cs"/>
+              </a:rPr>
+              <a:t>Speicherung der Daten und die Gestaltung der Datenverarbeitungssysteme </a:t>
+            </a:r>
+            <a:r>
+              <a:rPr lang="de-DE" sz="1200" b="0" i="0" u="none" strike="noStrike" kern="1200" baseline="0" dirty="0" smtClean="0">
+                <a:solidFill>
+                  <a:schemeClr val="tx1"/>
+                </a:solidFill>
+                <a:latin typeface="+mn-lt"/>
+                <a:ea typeface="+mn-ea"/>
+                <a:cs typeface="+mn-cs"/>
+              </a:rPr>
+              <a:t>werden </a:t>
+            </a:r>
+            <a:r>
+              <a:rPr lang="de-DE" sz="1200" b="0" i="0" u="none" strike="noStrike" kern="1200" baseline="0" dirty="0" smtClean="0">
+                <a:solidFill>
+                  <a:schemeClr val="tx1"/>
+                </a:solidFill>
+                <a:latin typeface="+mn-lt"/>
+                <a:ea typeface="+mn-ea"/>
+                <a:cs typeface="+mn-cs"/>
+              </a:rPr>
+              <a:t>an dem Ziel ausgerichtet, so wenig Daten wie möglich zu erheben, verarbeiten und </a:t>
+            </a:r>
+            <a:r>
+              <a:rPr lang="en-GB" sz="1200" b="0" i="0" u="none" strike="noStrike" kern="1200" baseline="0" dirty="0" err="1" smtClean="0">
+                <a:solidFill>
+                  <a:schemeClr val="tx1"/>
+                </a:solidFill>
+                <a:latin typeface="+mn-lt"/>
+                <a:ea typeface="+mn-ea"/>
+                <a:cs typeface="+mn-cs"/>
+              </a:rPr>
+              <a:t>zu</a:t>
+            </a:r>
+            <a:r>
+              <a:rPr lang="en-GB" sz="1200" b="0" i="0" u="none" strike="noStrike" kern="1200" baseline="0" dirty="0" smtClean="0">
+                <a:solidFill>
+                  <a:schemeClr val="tx1"/>
+                </a:solidFill>
+                <a:latin typeface="+mn-lt"/>
+                <a:ea typeface="+mn-ea"/>
+                <a:cs typeface="+mn-cs"/>
+              </a:rPr>
+              <a:t> </a:t>
+            </a:r>
+            <a:r>
+              <a:rPr lang="en-GB" sz="1200" b="0" i="0" u="none" strike="noStrike" kern="1200" baseline="0" dirty="0" err="1" smtClean="0">
+                <a:solidFill>
+                  <a:schemeClr val="tx1"/>
+                </a:solidFill>
+                <a:latin typeface="+mn-lt"/>
+                <a:ea typeface="+mn-ea"/>
+                <a:cs typeface="+mn-cs"/>
+              </a:rPr>
+              <a:t>nutzen</a:t>
+            </a:r>
+            <a:r>
+              <a:rPr lang="en-GB" sz="1200" b="0" i="0" u="none" strike="noStrike" kern="1200" baseline="0" dirty="0" smtClean="0">
+                <a:solidFill>
+                  <a:schemeClr val="tx1"/>
+                </a:solidFill>
+                <a:latin typeface="+mn-lt"/>
+                <a:ea typeface="+mn-ea"/>
+                <a:cs typeface="+mn-cs"/>
+              </a:rPr>
+              <a:t>.</a:t>
+            </a:r>
+            <a:endParaRPr lang="de-DE" dirty="0" smtClean="0"/>
+          </a:p>
+          <a:p>
+            <a:r>
+              <a:rPr lang="de-DE" dirty="0" smtClean="0"/>
+              <a:t>Verbot mit Erlaubnisvorbehalt (§4 Abs. 1 BDSG): </a:t>
+            </a:r>
+            <a:r>
+              <a:rPr lang="de-DE" sz="1200" b="0" i="0" u="none" strike="noStrike" kern="1200" baseline="0" dirty="0" smtClean="0">
+                <a:solidFill>
+                  <a:schemeClr val="tx1"/>
+                </a:solidFill>
+                <a:latin typeface="+mn-lt"/>
+                <a:ea typeface="+mn-ea"/>
+                <a:cs typeface="+mn-cs"/>
+              </a:rPr>
+              <a:t>§4 Abs. 1 BDSG zur Folge ist die „Erhebung, Verarbeitung und Nutzung personenbezogener Daten (...) nur zulässig, soweit dieses Gesetz oder eine andere Rechtsvorschrift dieses erlaubt oder anordnet oder der Betroffene eingewilligt hat.“ Dies bedeutet, dass die Erhebung, Verarbeitung und Nutzung grundsätzlich verboten ist, jedoch zulässig wird, wenn entweder eine klare Rechtsgrundlage gegeben ist oder der Nutzer die Erhebung, Verarbeitung und Nutzung der Daten ausdrücklich erlaubt.</a:t>
+            </a:r>
+            <a:endParaRPr lang="de-DE" dirty="0" smtClean="0"/>
+          </a:p>
+          <a:p>
+            <a:pPr marL="171450" indent="-171450">
+              <a:buFont typeface="Arial" panose="020B0604020202020204" pitchFamily="34" charset="0"/>
+              <a:buChar char="•"/>
+            </a:pPr>
+            <a:r>
+              <a:rPr lang="de-DE" dirty="0" smtClean="0"/>
+              <a:t>Unterrichtungspflicht gegenüber dem Betroffenen (§4 Abs. 3 BDSG): über Identität der</a:t>
+            </a:r>
+            <a:r>
+              <a:rPr lang="de-DE" baseline="0" dirty="0" smtClean="0"/>
+              <a:t> Stelle und Zweck der Erhebung, Verarbeitung und Nutzung ein</a:t>
+            </a:r>
+            <a:endParaRPr lang="en-GB" dirty="0" smtClean="0"/>
+          </a:p>
+          <a:p>
+            <a:endParaRPr lang="en-GB" dirty="0"/>
+          </a:p>
+        </p:txBody>
+      </p:sp>
+      <p:sp>
+        <p:nvSpPr>
+          <p:cNvPr id="4" name="Slide Number Placeholder 3"/>
+          <p:cNvSpPr>
+            <a:spLocks noGrp="1"/>
+          </p:cNvSpPr>
+          <p:nvPr>
+            <p:ph type="sldNum" sz="quarter" idx="10"/>
+          </p:nvPr>
+        </p:nvSpPr>
+        <p:spPr/>
+        <p:txBody>
+          <a:bodyPr/>
+          <a:lstStyle/>
+          <a:p>
+            <a:fld id="{1ADF7734-53DD-4CCA-8986-6F26FEC981E7}" type="slidenum">
+              <a:rPr lang="en-GB" smtClean="0"/>
+              <a:t>3</a:t>
+            </a:fld>
+            <a:endParaRPr lang="en-GB"/>
+          </a:p>
+        </p:txBody>
+      </p:sp>
+    </p:spTree>
+    <p:extLst>
+      <p:ext uri="{BB962C8B-B14F-4D97-AF65-F5344CB8AC3E}">
+        <p14:creationId xmlns:p14="http://schemas.microsoft.com/office/powerpoint/2010/main" val="3486682384"/>
+      </p:ext>
+    </p:extLst>
+  </p:cSld>
+  <p:clrMapOvr>
+    <a:masterClrMapping/>
+  </p:clrMapOvr>
+</p:notes>
+</file>
+
+<file path=ppt/notesSlides/notesSlide2.xml><?xml version="1.0" encoding="utf-8"?>
+<p:notes xmlns:a="http://schemas.openxmlformats.org/drawingml/2006/main" xmlns:r="http://schemas.openxmlformats.org/officeDocument/2006/relationships" xmlns:p="http://schemas.openxmlformats.org/presentationml/2006/main">
+  <p:cSld>
+    <p:spTree>
+      <p:nvGrpSpPr>
+        <p:cNvPr id="1" name=""/>
+        <p:cNvGrpSpPr/>
+        <p:nvPr/>
+      </p:nvGrpSpPr>
+      <p:grpSpPr>
+        <a:xfrm>
+          <a:off x="0" y="0"/>
+          <a:ext cx="0" cy="0"/>
+          <a:chOff x="0" y="0"/>
+          <a:chExt cx="0" cy="0"/>
+        </a:xfrm>
+      </p:grpSpPr>
+      <p:sp>
+        <p:nvSpPr>
+          <p:cNvPr id="2" name="Slide Image Placeholder 1"/>
+          <p:cNvSpPr>
+            <a:spLocks noGrp="1" noRot="1" noChangeAspect="1"/>
+          </p:cNvSpPr>
+          <p:nvPr>
+            <p:ph type="sldImg"/>
+          </p:nvPr>
+        </p:nvSpPr>
+        <p:spPr/>
+      </p:sp>
+      <p:sp>
+        <p:nvSpPr>
+          <p:cNvPr id="3" name="Notes Placeholder 2"/>
+          <p:cNvSpPr>
+            <a:spLocks noGrp="1"/>
+          </p:cNvSpPr>
+          <p:nvPr>
+            <p:ph type="body" idx="1"/>
+          </p:nvPr>
+        </p:nvSpPr>
+        <p:spPr/>
+        <p:txBody>
+          <a:bodyPr/>
+          <a:lstStyle/>
+          <a:p>
+            <a:pPr marL="171450" indent="-171450">
+              <a:buFont typeface="Arial" panose="020B0604020202020204" pitchFamily="34" charset="0"/>
+              <a:buChar char="•"/>
+            </a:pPr>
+            <a:r>
+              <a:rPr lang="de-DE" dirty="0" smtClean="0"/>
+              <a:t>Dienstanbieter: jede natürliche Person oder juristische Person, die eigene oder fremde Telemedien zur Nutzung bereithält (§2 TMG).</a:t>
+            </a:r>
+          </a:p>
+          <a:p>
+            <a:pPr marL="171450" indent="-171450">
+              <a:buFont typeface="Arial" panose="020B0604020202020204" pitchFamily="34" charset="0"/>
+              <a:buChar char="•"/>
+            </a:pPr>
+            <a:r>
+              <a:rPr lang="de-DE" dirty="0" smtClean="0"/>
+              <a:t>Nutzer: jede natürliche oder juristische Person, die Telemedien nutzt, um Informationen zu erhalten (§2 TMG).</a:t>
+            </a:r>
+          </a:p>
+          <a:p>
+            <a:pPr marL="171450" indent="-171450">
+              <a:buFont typeface="Arial" panose="020B0604020202020204" pitchFamily="34" charset="0"/>
+              <a:buChar char="•"/>
+            </a:pPr>
+            <a:r>
+              <a:rPr lang="de-DE" dirty="0" smtClean="0"/>
+              <a:t>Telemedien: Verteildienste, welche im Wege einer Übertragung von Daten ohne individuelle Anforderung gleichzeitig für eine unbegrenzte Anzahl von Nutzern erbracht werden (§2 TMG)</a:t>
+            </a:r>
+          </a:p>
+          <a:p>
+            <a:pPr marL="171450" indent="-171450">
+              <a:buFont typeface="Arial" panose="020B0604020202020204" pitchFamily="34" charset="0"/>
+              <a:buChar char="•"/>
+            </a:pPr>
+            <a:r>
+              <a:rPr lang="de-DE" dirty="0" smtClean="0"/>
+              <a:t>Auch hier: Verbot mit Erlaubnisvorbehalt (§12 Abs. 1 TMG) und Unterrichtungspflicht (§13 Abs. 1 TMG)</a:t>
+            </a:r>
+          </a:p>
+          <a:p>
+            <a:pPr marL="171450" indent="-171450">
+              <a:buFont typeface="Arial" panose="020B0604020202020204" pitchFamily="34" charset="0"/>
+              <a:buChar char="•"/>
+            </a:pPr>
+            <a:r>
+              <a:rPr lang="de-DE" dirty="0" smtClean="0"/>
+              <a:t>Bestandsdaten:</a:t>
+            </a:r>
+            <a:r>
+              <a:rPr lang="de-DE" baseline="0" dirty="0" smtClean="0"/>
+              <a:t> sozusagen Vertragsdaten zwischen Dienstanbieter und Nutzer, welche zur Nutzung der Telemedien erforderlich sind</a:t>
+            </a:r>
+          </a:p>
+          <a:p>
+            <a:pPr marL="171450" indent="-171450">
+              <a:buFont typeface="Arial" panose="020B0604020202020204" pitchFamily="34" charset="0"/>
+              <a:buChar char="•"/>
+            </a:pPr>
+            <a:r>
+              <a:rPr lang="de-DE" baseline="0" dirty="0" smtClean="0"/>
+              <a:t>Nutzungsdaten: erforderliche Daten, um die Inanspruchnahme von Telemedien zu ermöglichen und abzurechnen. (Merkmale zur Identifikation des N., Angaben zu Beginn und Ende der Nutzung und welche Telemedien in Anspruch genommen werden</a:t>
+            </a:r>
+          </a:p>
+          <a:p>
+            <a:pPr marL="171450" indent="-171450">
+              <a:buFont typeface="Arial" panose="020B0604020202020204" pitchFamily="34" charset="0"/>
+              <a:buChar char="•"/>
+            </a:pPr>
+            <a:r>
+              <a:rPr lang="de-DE" baseline="0" dirty="0" smtClean="0"/>
+              <a:t>Weiterverarbeitung: Anlegung von Nutzungsprofilen für Werbezwecke, nach Ende der Nutzung für Abrechnungszwecke weiterverwenden und für denselben Zweck an Dritte weitergeben, zur Marktforschung an Dritte nur anonymisiert</a:t>
+            </a:r>
+            <a:endParaRPr lang="de-DE" dirty="0" smtClean="0"/>
+          </a:p>
+          <a:p>
+            <a:endParaRPr lang="en-GB" dirty="0"/>
+          </a:p>
+        </p:txBody>
+      </p:sp>
+      <p:sp>
+        <p:nvSpPr>
+          <p:cNvPr id="4" name="Slide Number Placeholder 3"/>
+          <p:cNvSpPr>
+            <a:spLocks noGrp="1"/>
+          </p:cNvSpPr>
+          <p:nvPr>
+            <p:ph type="sldNum" sz="quarter" idx="10"/>
+          </p:nvPr>
+        </p:nvSpPr>
+        <p:spPr/>
+        <p:txBody>
+          <a:bodyPr/>
+          <a:lstStyle/>
+          <a:p>
+            <a:fld id="{1ADF7734-53DD-4CCA-8986-6F26FEC981E7}" type="slidenum">
+              <a:rPr lang="en-GB" smtClean="0"/>
+              <a:t>4</a:t>
+            </a:fld>
+            <a:endParaRPr lang="en-GB"/>
+          </a:p>
+        </p:txBody>
+      </p:sp>
+    </p:spTree>
+    <p:extLst>
+      <p:ext uri="{BB962C8B-B14F-4D97-AF65-F5344CB8AC3E}">
+        <p14:creationId xmlns:p14="http://schemas.microsoft.com/office/powerpoint/2010/main" val="97737639"/>
+      </p:ext>
+    </p:extLst>
+  </p:cSld>
+  <p:clrMapOvr>
+    <a:masterClrMapping/>
+  </p:clrMapOvr>
+</p:notes>
 </file>
 
 <file path=ppt/slideLayouts/slideLayout1.xml><?xml version="1.0" encoding="utf-8"?>
@@ -298,7 +1119,7 @@
           <a:p>
             <a:fld id="{DF5C1BB0-85D0-4403-9ACB-12E3E5F18A7F}" type="datetimeFigureOut">
               <a:rPr lang="en-GB" smtClean="0"/>
-              <a:t>29/06/2017</a:t>
+              <a:t>30/06/2017</a:t>
             </a:fld>
             <a:endParaRPr lang="en-GB"/>
           </a:p>
@@ -636,7 +1457,7 @@
           <a:p>
             <a:fld id="{DF5C1BB0-85D0-4403-9ACB-12E3E5F18A7F}" type="datetimeFigureOut">
               <a:rPr lang="en-GB" smtClean="0"/>
-              <a:t>29/06/2017</a:t>
+              <a:t>30/06/2017</a:t>
             </a:fld>
             <a:endParaRPr lang="en-GB"/>
           </a:p>
@@ -1037,7 +1858,7 @@
           <a:p>
             <a:fld id="{DF5C1BB0-85D0-4403-9ACB-12E3E5F18A7F}" type="datetimeFigureOut">
               <a:rPr lang="en-GB" smtClean="0"/>
-              <a:t>29/06/2017</a:t>
+              <a:t>30/06/2017</a:t>
             </a:fld>
             <a:endParaRPr lang="en-GB"/>
           </a:p>
@@ -1373,7 +2194,7 @@
           <a:p>
             <a:fld id="{DF5C1BB0-85D0-4403-9ACB-12E3E5F18A7F}" type="datetimeFigureOut">
               <a:rPr lang="en-GB" smtClean="0"/>
-              <a:t>29/06/2017</a:t>
+              <a:t>30/06/2017</a:t>
             </a:fld>
             <a:endParaRPr lang="en-GB"/>
           </a:p>
@@ -1693,7 +2514,7 @@
           <a:p>
             <a:fld id="{DF5C1BB0-85D0-4403-9ACB-12E3E5F18A7F}" type="datetimeFigureOut">
               <a:rPr lang="en-GB" smtClean="0"/>
-              <a:t>29/06/2017</a:t>
+              <a:t>30/06/2017</a:t>
             </a:fld>
             <a:endParaRPr lang="en-GB"/>
           </a:p>
@@ -2089,7 +2910,7 @@
           <a:p>
             <a:fld id="{DF5C1BB0-85D0-4403-9ACB-12E3E5F18A7F}" type="datetimeFigureOut">
               <a:rPr lang="en-GB" smtClean="0"/>
-              <a:t>29/06/2017</a:t>
+              <a:t>30/06/2017</a:t>
             </a:fld>
             <a:endParaRPr lang="en-GB"/>
           </a:p>
@@ -2346,7 +3167,7 @@
           <a:p>
             <a:fld id="{DF5C1BB0-85D0-4403-9ACB-12E3E5F18A7F}" type="datetimeFigureOut">
               <a:rPr lang="en-GB" smtClean="0"/>
-              <a:t>29/06/2017</a:t>
+              <a:t>30/06/2017</a:t>
             </a:fld>
             <a:endParaRPr lang="en-GB"/>
           </a:p>
@@ -2608,7 +3429,7 @@
           <a:p>
             <a:fld id="{DF5C1BB0-85D0-4403-9ACB-12E3E5F18A7F}" type="datetimeFigureOut">
               <a:rPr lang="en-GB" smtClean="0"/>
-              <a:t>29/06/2017</a:t>
+              <a:t>30/06/2017</a:t>
             </a:fld>
             <a:endParaRPr lang="en-GB"/>
           </a:p>
@@ -2870,7 +3691,7 @@
           <a:p>
             <a:fld id="{DF5C1BB0-85D0-4403-9ACB-12E3E5F18A7F}" type="datetimeFigureOut">
               <a:rPr lang="en-GB" smtClean="0"/>
-              <a:t>29/06/2017</a:t>
+              <a:t>30/06/2017</a:t>
             </a:fld>
             <a:endParaRPr lang="en-GB"/>
           </a:p>
@@ -3199,7 +4020,7 @@
           <a:p>
             <a:fld id="{DF5C1BB0-85D0-4403-9ACB-12E3E5F18A7F}" type="datetimeFigureOut">
               <a:rPr lang="en-GB" smtClean="0"/>
-              <a:t>29/06/2017</a:t>
+              <a:t>30/06/2017</a:t>
             </a:fld>
             <a:endParaRPr lang="en-GB"/>
           </a:p>
@@ -3522,7 +4343,7 @@
           <a:p>
             <a:fld id="{DF5C1BB0-85D0-4403-9ACB-12E3E5F18A7F}" type="datetimeFigureOut">
               <a:rPr lang="en-GB" smtClean="0"/>
-              <a:t>29/06/2017</a:t>
+              <a:t>30/06/2017</a:t>
             </a:fld>
             <a:endParaRPr lang="en-GB"/>
           </a:p>
@@ -3979,7 +4800,7 @@
           <a:p>
             <a:fld id="{DF5C1BB0-85D0-4403-9ACB-12E3E5F18A7F}" type="datetimeFigureOut">
               <a:rPr lang="en-GB" smtClean="0"/>
-              <a:t>29/06/2017</a:t>
+              <a:t>30/06/2017</a:t>
             </a:fld>
             <a:endParaRPr lang="en-GB"/>
           </a:p>
@@ -4184,7 +5005,7 @@
           <a:p>
             <a:fld id="{DF5C1BB0-85D0-4403-9ACB-12E3E5F18A7F}" type="datetimeFigureOut">
               <a:rPr lang="en-GB" smtClean="0"/>
-              <a:t>29/06/2017</a:t>
+              <a:t>30/06/2017</a:t>
             </a:fld>
             <a:endParaRPr lang="en-GB"/>
           </a:p>
@@ -4361,7 +5182,7 @@
           <a:p>
             <a:fld id="{DF5C1BB0-85D0-4403-9ACB-12E3E5F18A7F}" type="datetimeFigureOut">
               <a:rPr lang="en-GB" smtClean="0"/>
-              <a:t>29/06/2017</a:t>
+              <a:t>30/06/2017</a:t>
             </a:fld>
             <a:endParaRPr lang="en-GB"/>
           </a:p>
@@ -4694,7 +5515,7 @@
           <a:p>
             <a:fld id="{DF5C1BB0-85D0-4403-9ACB-12E3E5F18A7F}" type="datetimeFigureOut">
               <a:rPr lang="en-GB" smtClean="0"/>
-              <a:t>29/06/2017</a:t>
+              <a:t>30/06/2017</a:t>
             </a:fld>
             <a:endParaRPr lang="en-GB"/>
           </a:p>
@@ -5039,7 +5860,7 @@
           <a:p>
             <a:fld id="{DF5C1BB0-85D0-4403-9ACB-12E3E5F18A7F}" type="datetimeFigureOut">
               <a:rPr lang="en-GB" smtClean="0"/>
-              <a:t>29/06/2017</a:t>
+              <a:t>30/06/2017</a:t>
             </a:fld>
             <a:endParaRPr lang="en-GB"/>
           </a:p>
@@ -7156,7 +7977,7 @@
           <a:p>
             <a:fld id="{DF5C1BB0-85D0-4403-9ACB-12E3E5F18A7F}" type="datetimeFigureOut">
               <a:rPr lang="en-GB" smtClean="0"/>
-              <a:t>29/06/2017</a:t>
+              <a:t>30/06/2017</a:t>
             </a:fld>
             <a:endParaRPr lang="en-GB"/>
           </a:p>
@@ -7833,25 +8654,13 @@
             </a:pPr>
             <a:r>
               <a:rPr lang="de-DE" dirty="0" smtClean="0"/>
-              <a:t>Grundlagen des Telemediengesetzes</a:t>
-            </a:r>
-          </a:p>
-          <a:p>
-            <a:pPr>
-              <a:buFont typeface="+mj-lt"/>
-              <a:buAutoNum type="arabicPeriod"/>
-            </a:pPr>
+              <a:t>Grundlagen des </a:t>
+            </a:r>
+            <a:r>
+              <a:rPr lang="de-DE" dirty="0" smtClean="0"/>
+              <a:t>Telemediengesetzes</a:t>
+            </a:r>
             <a:endParaRPr lang="de-DE" dirty="0" smtClean="0"/>
-          </a:p>
-          <a:p>
-            <a:pPr>
-              <a:buFont typeface="+mj-lt"/>
-              <a:buAutoNum type="arabicPeriod"/>
-            </a:pPr>
-            <a:r>
-              <a:rPr lang="de-DE" dirty="0" smtClean="0"/>
-              <a:t>Datenschutzgesetze im Kontext sozialer Netzwerke</a:t>
-            </a:r>
           </a:p>
           <a:p>
             <a:pPr>
@@ -7990,13 +8799,11 @@
           <a:p>
             <a:r>
               <a:rPr lang="de-DE" dirty="0" smtClean="0"/>
-              <a:t>Umsetzung der Richtlinie 95/46/EG</a:t>
-            </a:r>
-          </a:p>
-          <a:p>
+              <a:t>Schützt </a:t>
+            </a:r>
             <a:r>
               <a:rPr lang="de-DE" dirty="0" smtClean="0"/>
-              <a:t>Schützt das Persönlichkeitsrecht des Einzelnen beim Umgang mit personenbezogenen Daten (§1 Abs. 1 BDSG)</a:t>
+              <a:t>das Persönlichkeitsrecht des Einzelnen beim Umgang mit personenbezogenen Daten (§1 Abs. 1 BDSG)</a:t>
             </a:r>
           </a:p>
           <a:p>
@@ -8094,7 +8901,40 @@
           <a:bodyPr/>
           <a:lstStyle/>
           <a:p>
-            <a:endParaRPr lang="en-GB"/>
+            <a:r>
+              <a:rPr lang="de-DE" dirty="0" smtClean="0"/>
+              <a:t>Regelt den Datenschutz für die Datenerhebung bei der Benutzung von Telemedien durch Dienstanbieter</a:t>
+            </a:r>
+          </a:p>
+          <a:p>
+            <a:r>
+              <a:rPr lang="de-DE" dirty="0" smtClean="0"/>
+              <a:t>Telemedien: Verteildienste, welche im Wege einer Übertragung von Daten ohne individuelle Anforderung gleichzeitig für eine unbegrenzte Anzahl von Nutzern erbracht werden (§2 TMG)</a:t>
+            </a:r>
+          </a:p>
+          <a:p>
+            <a:r>
+              <a:rPr lang="de-DE" dirty="0" smtClean="0"/>
+              <a:t>Auch hier: Verbot mit Erlaubnisvorbehalt (§12 Abs. 1 TMG) und Unterrichtungspflicht (§13 Abs. 1 TMG)</a:t>
+            </a:r>
+          </a:p>
+          <a:p>
+            <a:r>
+              <a:rPr lang="de-DE" dirty="0" smtClean="0"/>
+              <a:t>Speicherung von Bestands- und Nutzungsdaten (§14 Abs. 1 TMG und §15 Abs. 1 TMG)</a:t>
+            </a:r>
+          </a:p>
+          <a:p>
+            <a:r>
+              <a:rPr lang="de-DE" dirty="0" smtClean="0"/>
+              <a:t>Nutzungsdaten dürfen weiterverarbeitet werden, wenn Nutzer nicht widerspricht (§15 Abs. 3-5 TMG)</a:t>
+            </a:r>
+          </a:p>
+          <a:p>
+            <a:endParaRPr lang="de-DE" dirty="0" smtClean="0"/>
+          </a:p>
+          <a:p>
+            <a:endParaRPr lang="en-GB" dirty="0"/>
           </a:p>
         </p:txBody>
       </p:sp>
@@ -8352,4 +9192,265 @@
     </a:ext>
   </a:extLst>
 </a:theme>
+</file>
+
+<file path=ppt/theme/theme2.xml><?xml version="1.0" encoding="utf-8"?>
+<a:theme xmlns:a="http://schemas.openxmlformats.org/drawingml/2006/main" name="Office Theme">
+  <a:themeElements>
+    <a:clrScheme name="Office">
+      <a:dk1>
+        <a:sysClr val="windowText" lastClr="000000"/>
+      </a:dk1>
+      <a:lt1>
+        <a:sysClr val="window" lastClr="FFFFFF"/>
+      </a:lt1>
+      <a:dk2>
+        <a:srgbClr val="44546A"/>
+      </a:dk2>
+      <a:lt2>
+        <a:srgbClr val="E7E6E6"/>
+      </a:lt2>
+      <a:accent1>
+        <a:srgbClr val="5B9BD5"/>
+      </a:accent1>
+      <a:accent2>
+        <a:srgbClr val="ED7D31"/>
+      </a:accent2>
+      <a:accent3>
+        <a:srgbClr val="A5A5A5"/>
+      </a:accent3>
+      <a:accent4>
+        <a:srgbClr val="FFC000"/>
+      </a:accent4>
+      <a:accent5>
+        <a:srgbClr val="4472C4"/>
+      </a:accent5>
+      <a:accent6>
+        <a:srgbClr val="70AD47"/>
+      </a:accent6>
+      <a:hlink>
+        <a:srgbClr val="0563C1"/>
+      </a:hlink>
+      <a:folHlink>
+        <a:srgbClr val="954F72"/>
+      </a:folHlink>
+    </a:clrScheme>
+    <a:fontScheme name="Office">
+      <a:majorFont>
+        <a:latin typeface="Calibri Light" panose="020F0302020204030204"/>
+        <a:ea typeface=""/>
+        <a:cs typeface=""/>
+        <a:font script="Jpan" typeface="ＭＳ Ｐゴシック"/>
+        <a:font script="Hang" typeface="맑은 고딕"/>
+        <a:font script="Hans" typeface="宋体"/>
+        <a:font script="Hant" typeface="新細明體"/>
+        <a:font script="Arab" typeface="Times New Roman"/>
+        <a:font script="Hebr" typeface="Times New Roman"/>
+        <a:font script="Thai" typeface="Angsana New"/>
+        <a:font script="Ethi" typeface="Nyala"/>
+        <a:font script="Beng" typeface="Vrinda"/>
+        <a:font script="Gujr" typeface="Shruti"/>
+        <a:font script="Khmr" typeface="MoolBoran"/>
+        <a:font script="Knda" typeface="Tunga"/>
+        <a:font script="Guru" typeface="Raavi"/>
+        <a:font script="Cans" typeface="Euphemia"/>
+        <a:font script="Cher" typeface="Plantagenet Cherokee"/>
+        <a:font script="Yiii" typeface="Microsoft Yi Baiti"/>
+        <a:font script="Tibt" typeface="Microsoft Himalaya"/>
+        <a:font script="Thaa" typeface="MV Boli"/>
+        <a:font script="Deva" typeface="Mangal"/>
+        <a:font script="Telu" typeface="Gautami"/>
+        <a:font script="Taml" typeface="Latha"/>
+        <a:font script="Syrc" typeface="Estrangelo Edessa"/>
+        <a:font script="Orya" typeface="Kalinga"/>
+        <a:font script="Mlym" typeface="Kartika"/>
+        <a:font script="Laoo" typeface="DokChampa"/>
+        <a:font script="Sinh" typeface="Iskoola Pota"/>
+        <a:font script="Mong" typeface="Mongolian Baiti"/>
+        <a:font script="Viet" typeface="Times New Roman"/>
+        <a:font script="Uigh" typeface="Microsoft Uighur"/>
+        <a:font script="Geor" typeface="Sylfaen"/>
+      </a:majorFont>
+      <a:minorFont>
+        <a:latin typeface="Calibri" panose="020F0502020204030204"/>
+        <a:ea typeface=""/>
+        <a:cs typeface=""/>
+        <a:font script="Jpan" typeface="ＭＳ Ｐゴシック"/>
+        <a:font script="Hang" typeface="맑은 고딕"/>
+        <a:font script="Hans" typeface="宋体"/>
+        <a:font script="Hant" typeface="新細明體"/>
+        <a:font script="Arab" typeface="Arial"/>
+        <a:font script="Hebr" typeface="Arial"/>
+        <a:font script="Thai" typeface="Cordia New"/>
+        <a:font script="Ethi" typeface="Nyala"/>
+        <a:font script="Beng" typeface="Vrinda"/>
+        <a:font script="Gujr" typeface="Shruti"/>
+        <a:font script="Khmr" typeface="DaunPenh"/>
+        <a:font script="Knda" typeface="Tunga"/>
+        <a:font script="Guru" typeface="Raavi"/>
+        <a:font script="Cans" typeface="Euphemia"/>
+        <a:font script="Cher" typeface="Plantagenet Cherokee"/>
+        <a:font script="Yiii" typeface="Microsoft Yi Baiti"/>
+        <a:font script="Tibt" typeface="Microsoft Himalaya"/>
+        <a:font script="Thaa" typeface="MV Boli"/>
+        <a:font script="Deva" typeface="Mangal"/>
+        <a:font script="Telu" typeface="Gautami"/>
+        <a:font script="Taml" typeface="Latha"/>
+        <a:font script="Syrc" typeface="Estrangelo Edessa"/>
+        <a:font script="Orya" typeface="Kalinga"/>
+        <a:font script="Mlym" typeface="Kartika"/>
+        <a:font script="Laoo" typeface="DokChampa"/>
+        <a:font script="Sinh" typeface="Iskoola Pota"/>
+        <a:font script="Mong" typeface="Mongolian Baiti"/>
+        <a:font script="Viet" typeface="Arial"/>
+        <a:font script="Uigh" typeface="Microsoft Uighur"/>
+        <a:font script="Geor" typeface="Sylfaen"/>
+      </a:minorFont>
+    </a:fontScheme>
+    <a:fmtScheme name="Office">
+      <a:fillStyleLst>
+        <a:solidFill>
+          <a:schemeClr val="phClr"/>
+        </a:solidFill>
+        <a:gradFill rotWithShape="1">
+          <a:gsLst>
+            <a:gs pos="0">
+              <a:schemeClr val="phClr">
+                <a:lumMod val="110000"/>
+                <a:satMod val="105000"/>
+                <a:tint val="67000"/>
+              </a:schemeClr>
+            </a:gs>
+            <a:gs pos="50000">
+              <a:schemeClr val="phClr">
+                <a:lumMod val="105000"/>
+                <a:satMod val="103000"/>
+                <a:tint val="73000"/>
+              </a:schemeClr>
+            </a:gs>
+            <a:gs pos="100000">
+              <a:schemeClr val="phClr">
+                <a:lumMod val="105000"/>
+                <a:satMod val="109000"/>
+                <a:tint val="81000"/>
+              </a:schemeClr>
+            </a:gs>
+          </a:gsLst>
+          <a:lin ang="5400000" scaled="0"/>
+        </a:gradFill>
+        <a:gradFill rotWithShape="1">
+          <a:gsLst>
+            <a:gs pos="0">
+              <a:schemeClr val="phClr">
+                <a:satMod val="103000"/>
+                <a:lumMod val="102000"/>
+                <a:tint val="94000"/>
+              </a:schemeClr>
+            </a:gs>
+            <a:gs pos="50000">
+              <a:schemeClr val="phClr">
+                <a:satMod val="110000"/>
+                <a:lumMod val="100000"/>
+                <a:shade val="100000"/>
+              </a:schemeClr>
+            </a:gs>
+            <a:gs pos="100000">
+              <a:schemeClr val="phClr">
+                <a:lumMod val="99000"/>
+                <a:satMod val="120000"/>
+                <a:shade val="78000"/>
+              </a:schemeClr>
+            </a:gs>
+          </a:gsLst>
+          <a:lin ang="5400000" scaled="0"/>
+        </a:gradFill>
+      </a:fillStyleLst>
+      <a:lnStyleLst>
+        <a:ln w="6350" cap="flat" cmpd="sng" algn="ctr">
+          <a:solidFill>
+            <a:schemeClr val="phClr"/>
+          </a:solidFill>
+          <a:prstDash val="solid"/>
+          <a:miter lim="800000"/>
+        </a:ln>
+        <a:ln w="12700" cap="flat" cmpd="sng" algn="ctr">
+          <a:solidFill>
+            <a:schemeClr val="phClr"/>
+          </a:solidFill>
+          <a:prstDash val="solid"/>
+          <a:miter lim="800000"/>
+        </a:ln>
+        <a:ln w="19050" cap="flat" cmpd="sng" algn="ctr">
+          <a:solidFill>
+            <a:schemeClr val="phClr"/>
+          </a:solidFill>
+          <a:prstDash val="solid"/>
+          <a:miter lim="800000"/>
+        </a:ln>
+      </a:lnStyleLst>
+      <a:effectStyleLst>
+        <a:effectStyle>
+          <a:effectLst/>
+        </a:effectStyle>
+        <a:effectStyle>
+          <a:effectLst/>
+        </a:effectStyle>
+        <a:effectStyle>
+          <a:effectLst>
+            <a:outerShdw blurRad="57150" dist="19050" dir="5400000" algn="ctr" rotWithShape="0">
+              <a:srgbClr val="000000">
+                <a:alpha val="63000"/>
+              </a:srgbClr>
+            </a:outerShdw>
+          </a:effectLst>
+        </a:effectStyle>
+      </a:effectStyleLst>
+      <a:bgFillStyleLst>
+        <a:solidFill>
+          <a:schemeClr val="phClr"/>
+        </a:solidFill>
+        <a:solidFill>
+          <a:schemeClr val="phClr">
+            <a:tint val="95000"/>
+            <a:satMod val="170000"/>
+          </a:schemeClr>
+        </a:solidFill>
+        <a:gradFill rotWithShape="1">
+          <a:gsLst>
+            <a:gs pos="0">
+              <a:schemeClr val="phClr">
+                <a:tint val="93000"/>
+                <a:satMod val="150000"/>
+                <a:shade val="98000"/>
+                <a:lumMod val="102000"/>
+              </a:schemeClr>
+            </a:gs>
+            <a:gs pos="50000">
+              <a:schemeClr val="phClr">
+                <a:tint val="98000"/>
+                <a:satMod val="130000"/>
+                <a:shade val="90000"/>
+                <a:lumMod val="103000"/>
+              </a:schemeClr>
+            </a:gs>
+            <a:gs pos="100000">
+              <a:schemeClr val="phClr">
+                <a:shade val="63000"/>
+                <a:satMod val="120000"/>
+              </a:schemeClr>
+            </a:gs>
+          </a:gsLst>
+          <a:lin ang="5400000" scaled="0"/>
+        </a:gradFill>
+      </a:bgFillStyleLst>
+    </a:fmtScheme>
+  </a:themeElements>
+  <a:objectDefaults/>
+  <a:extraClrSchemeLst/>
+  <a:extLst>
+    <a:ext uri="{05A4C25C-085E-4340-85A3-A5531E510DB2}">
+      <thm15:themeFamily xmlns:thm15="http://schemas.microsoft.com/office/thememl/2012/main" name="Office Theme" id="{62F939B6-93AF-4DB8-9C6B-D6C7DFDC589F}" vid="{4A3C46E8-61CC-4603-A589-7422A47A8E4A}"/>
+    </a:ext>
+  </a:extLst>
+</a:theme>
 </file>
--- a/Praesentation/Nationale und internationale Datenschutzregelungen in sozialen Netzwerken.pptx
+++ b/Praesentation/Nationale und internationale Datenschutzregelungen in sozialen Netzwerken.pptx
@@ -217,7 +217,7 @@
           <a:p>
             <a:fld id="{D77838FB-1134-4055-835C-8DBE3EF86E9E}" type="datetimeFigureOut">
               <a:rPr lang="de-DE" smtClean="0"/>
-              <a:t>30.06.2017</a:t>
+              <a:t>06.07.2017</a:t>
             </a:fld>
             <a:endParaRPr lang="de-DE"/>
           </a:p>
@@ -1606,6 +1606,30 @@
           <a:bodyPr/>
           <a:lstStyle/>
           <a:p>
+            <a:pPr marL="171450" marR="0" lvl="0" indent="-171450" algn="l" defTabSz="914400" rtl="0" eaLnBrk="1" fontAlgn="auto" latinLnBrk="0" hangingPunct="1">
+              <a:lnSpc>
+                <a:spcPct val="100000"/>
+              </a:lnSpc>
+              <a:spcBef>
+                <a:spcPts val="0"/>
+              </a:spcBef>
+              <a:spcAft>
+                <a:spcPts val="0"/>
+              </a:spcAft>
+              <a:buClrTx/>
+              <a:buSzTx/>
+              <a:buFont typeface="Arial" panose="020B0604020202020204" pitchFamily="34" charset="0"/>
+              <a:buChar char="•"/>
+              <a:tabLst/>
+              <a:defRPr/>
+            </a:pPr>
+            <a:r>
+              <a:rPr lang="de-DE" dirty="0"/>
+              <a:t>Kontakte und Online-Status fallen weg</a:t>
+            </a:r>
+            <a:endParaRPr lang="de-DE" dirty="0"/>
+          </a:p>
+          <a:p>
             <a:pPr marL="171450" indent="-171450">
               <a:buFont typeface="Arial" panose="020B0604020202020204" pitchFamily="34" charset="0"/>
               <a:buChar char="•"/>
@@ -1627,16 +1651,6 @@
               <a:t>…</a:t>
             </a:r>
             <a:endParaRPr lang="de-DE" dirty="0"/>
-          </a:p>
-          <a:p>
-            <a:pPr marL="171450" indent="-171450">
-              <a:buFont typeface="Arial" panose="020B0604020202020204" pitchFamily="34" charset="0"/>
-              <a:buChar char="•"/>
-            </a:pPr>
-            <a:r>
-              <a:rPr lang="de-DE" dirty="0"/>
-              <a:t>Kontakte und Online-Status fallen weg</a:t>
-            </a:r>
           </a:p>
           <a:p>
             <a:pPr marL="171450" indent="-171450">
@@ -2482,7 +2496,7 @@
           <a:p>
             <a:fld id="{0A362FFA-F068-4CE5-B8E9-C604EFE1FA7E}" type="datetime1">
               <a:rPr lang="en-GB" smtClean="0"/>
-              <a:t>30/06/2017</a:t>
+              <a:t>06/07/2017</a:t>
             </a:fld>
             <a:endParaRPr lang="en-GB"/>
           </a:p>
@@ -2820,7 +2834,7 @@
           <a:p>
             <a:fld id="{419ABAD7-0B03-4178-AFEE-067DAD1C2F24}" type="datetime1">
               <a:rPr lang="en-GB" smtClean="0"/>
-              <a:t>30/06/2017</a:t>
+              <a:t>06/07/2017</a:t>
             </a:fld>
             <a:endParaRPr lang="en-GB"/>
           </a:p>
@@ -3221,7 +3235,7 @@
           <a:p>
             <a:fld id="{6639631F-6DD7-43A3-AAD9-F4F03DBC9B43}" type="datetime1">
               <a:rPr lang="en-GB" smtClean="0"/>
-              <a:t>30/06/2017</a:t>
+              <a:t>06/07/2017</a:t>
             </a:fld>
             <a:endParaRPr lang="en-GB"/>
           </a:p>
@@ -3557,7 +3571,7 @@
           <a:p>
             <a:fld id="{11717C61-26AB-4487-BCED-53B78FEE2676}" type="datetime1">
               <a:rPr lang="en-GB" smtClean="0"/>
-              <a:t>30/06/2017</a:t>
+              <a:t>06/07/2017</a:t>
             </a:fld>
             <a:endParaRPr lang="en-GB"/>
           </a:p>
@@ -3877,7 +3891,7 @@
           <a:p>
             <a:fld id="{733C177C-45E7-4F76-80F0-DD274A24026D}" type="datetime1">
               <a:rPr lang="en-GB" smtClean="0"/>
-              <a:t>30/06/2017</a:t>
+              <a:t>06/07/2017</a:t>
             </a:fld>
             <a:endParaRPr lang="en-GB"/>
           </a:p>
@@ -4273,7 +4287,7 @@
           <a:p>
             <a:fld id="{A75A69B5-ADDD-4979-9E19-17B69CBAAC0E}" type="datetime1">
               <a:rPr lang="en-GB" smtClean="0"/>
-              <a:t>30/06/2017</a:t>
+              <a:t>06/07/2017</a:t>
             </a:fld>
             <a:endParaRPr lang="en-GB"/>
           </a:p>
@@ -4530,7 +4544,7 @@
           <a:p>
             <a:fld id="{D7A491A0-9928-485F-91B1-BD2845A1F35B}" type="datetime1">
               <a:rPr lang="en-GB" smtClean="0"/>
-              <a:t>30/06/2017</a:t>
+              <a:t>06/07/2017</a:t>
             </a:fld>
             <a:endParaRPr lang="en-GB"/>
           </a:p>
@@ -4792,7 +4806,7 @@
           <a:p>
             <a:fld id="{A63D741D-3236-48EF-BBCF-534C0B4BC893}" type="datetime1">
               <a:rPr lang="en-GB" smtClean="0"/>
-              <a:t>30/06/2017</a:t>
+              <a:t>06/07/2017</a:t>
             </a:fld>
             <a:endParaRPr lang="en-GB"/>
           </a:p>
@@ -5054,7 +5068,7 @@
           <a:p>
             <a:fld id="{1E861F9F-16F7-4935-BF48-5B94A0812D7E}" type="datetime1">
               <a:rPr lang="en-GB" smtClean="0"/>
-              <a:t>30/06/2017</a:t>
+              <a:t>06/07/2017</a:t>
             </a:fld>
             <a:endParaRPr lang="en-GB"/>
           </a:p>
@@ -5383,7 +5397,7 @@
           <a:p>
             <a:fld id="{1EF3604A-F262-4919-96C1-C92C2CFD9075}" type="datetime1">
               <a:rPr lang="en-GB" smtClean="0"/>
-              <a:t>30/06/2017</a:t>
+              <a:t>06/07/2017</a:t>
             </a:fld>
             <a:endParaRPr lang="en-GB"/>
           </a:p>
@@ -5706,7 +5720,7 @@
           <a:p>
             <a:fld id="{00D6BC72-D918-44B0-88EE-9E06E37F3BE0}" type="datetime1">
               <a:rPr lang="en-GB" smtClean="0"/>
-              <a:t>30/06/2017</a:t>
+              <a:t>06/07/2017</a:t>
             </a:fld>
             <a:endParaRPr lang="en-GB"/>
           </a:p>
@@ -6163,7 +6177,7 @@
           <a:p>
             <a:fld id="{2D84871C-1621-48BD-8259-D515F7C09BDA}" type="datetime1">
               <a:rPr lang="en-GB" smtClean="0"/>
-              <a:t>30/06/2017</a:t>
+              <a:t>06/07/2017</a:t>
             </a:fld>
             <a:endParaRPr lang="en-GB"/>
           </a:p>
@@ -6368,7 +6382,7 @@
           <a:p>
             <a:fld id="{9569CF5A-8160-4BFA-B01D-1460FAD37F64}" type="datetime1">
               <a:rPr lang="en-GB" smtClean="0"/>
-              <a:t>30/06/2017</a:t>
+              <a:t>06/07/2017</a:t>
             </a:fld>
             <a:endParaRPr lang="en-GB"/>
           </a:p>
@@ -6545,7 +6559,7 @@
           <a:p>
             <a:fld id="{D7A0482C-C235-40F3-94D1-C7C297AE0950}" type="datetime1">
               <a:rPr lang="en-GB" smtClean="0"/>
-              <a:t>30/06/2017</a:t>
+              <a:t>06/07/2017</a:t>
             </a:fld>
             <a:endParaRPr lang="en-GB"/>
           </a:p>
@@ -6878,7 +6892,7 @@
           <a:p>
             <a:fld id="{C9D8BFA3-CC49-4094-A56E-74604C7D9375}" type="datetime1">
               <a:rPr lang="en-GB" smtClean="0"/>
-              <a:t>30/06/2017</a:t>
+              <a:t>06/07/2017</a:t>
             </a:fld>
             <a:endParaRPr lang="en-GB"/>
           </a:p>
@@ -7223,7 +7237,7 @@
           <a:p>
             <a:fld id="{C1D9875B-6434-4D0B-8A36-FEA09A58C0F1}" type="datetime1">
               <a:rPr lang="en-GB" smtClean="0"/>
-              <a:t>30/06/2017</a:t>
+              <a:t>06/07/2017</a:t>
             </a:fld>
             <a:endParaRPr lang="en-GB"/>
           </a:p>
@@ -9340,7 +9354,7 @@
           <a:p>
             <a:fld id="{C9E58BE4-BE4C-4D17-A95E-D7E98A02E69C}" type="datetime1">
               <a:rPr lang="en-GB" smtClean="0"/>
-              <a:t>30/06/2017</a:t>
+              <a:t>06/07/2017</a:t>
             </a:fld>
             <a:endParaRPr lang="en-GB"/>
           </a:p>
@@ -9937,7 +9951,7 @@
           <a:p>
             <a:fld id="{68C2C608-4C39-499F-B14E-68000BDEBE0A}" type="datetime1">
               <a:rPr lang="en-GB" smtClean="0"/>
-              <a:t>30/06/2017</a:t>
+              <a:t>06/07/2017</a:t>
             </a:fld>
             <a:endParaRPr lang="en-GB"/>
           </a:p>
@@ -10038,12 +10052,22 @@
               <a:rPr lang="de-DE" dirty="0"/>
               <a:t>Anzeige von maßgeschneiderten Inhalten &amp; Werbung</a:t>
             </a:r>
+            <a:r>
+              <a:rPr lang="de-DE" dirty="0"/>
+              <a:t> (Facebook &amp; Twitter)</a:t>
+            </a:r>
+            <a:endParaRPr lang="de-DE" dirty="0"/>
           </a:p>
           <a:p>
             <a:r>
               <a:rPr lang="de-DE" dirty="0"/>
               <a:t>Anzeige von standortabhängige Inhalten &amp; Werbung</a:t>
             </a:r>
+            <a:r>
+              <a:rPr lang="de-DE" dirty="0"/>
+              <a:t> (Facebook &amp; Twitter)</a:t>
+            </a:r>
+            <a:endParaRPr lang="de-DE" dirty="0"/>
           </a:p>
           <a:p>
             <a:r>
@@ -10070,7 +10094,7 @@
           <a:p>
             <a:fld id="{7F93199A-F302-49A2-B177-BCB91B6840D3}" type="datetime1">
               <a:rPr lang="en-GB" smtClean="0"/>
-              <a:t>30/06/2017</a:t>
+              <a:t>06/07/2017</a:t>
             </a:fld>
             <a:endParaRPr lang="en-GB"/>
           </a:p>
@@ -10563,7 +10587,7 @@
           <a:p>
             <a:fld id="{CDB9903B-4980-4A1D-911F-7F8F7C33A65E}" type="datetime1">
               <a:rPr lang="en-GB" smtClean="0"/>
-              <a:t>30/06/2017</a:t>
+              <a:t>06/07/2017</a:t>
             </a:fld>
             <a:endParaRPr lang="en-GB"/>
           </a:p>
@@ -10704,7 +10728,7 @@
           <a:p>
             <a:fld id="{7C7A0083-4847-43E0-BDE3-F4301945893B}" type="datetime1">
               <a:rPr lang="en-GB" smtClean="0"/>
-              <a:t>30/06/2017</a:t>
+              <a:t>06/07/2017</a:t>
             </a:fld>
             <a:endParaRPr lang="en-GB"/>
           </a:p>
@@ -10934,7 +10958,7 @@
           <a:p>
             <a:fld id="{B9A60C60-704D-42DC-B506-EA418CEAACBA}" type="datetime1">
               <a:rPr lang="en-GB" smtClean="0"/>
-              <a:t>30/06/2017</a:t>
+              <a:t>06/07/2017</a:t>
             </a:fld>
             <a:endParaRPr lang="en-GB"/>
           </a:p>
@@ -10960,6 +10984,64 @@
               <a:t>13</a:t>
             </a:fld>
             <a:endParaRPr lang="en-GB"/>
+          </a:p>
+        </p:txBody>
+      </p:sp>
+      <p:sp>
+        <p:nvSpPr>
+          <p:cNvPr id="5" name="Textfeld 4"/>
+          <p:cNvSpPr txBox="1"/>
+          <p:nvPr/>
+        </p:nvSpPr>
+        <p:spPr>
+          <a:xfrm>
+            <a:off x="2926428" y="2781493"/>
+            <a:ext cx="1854995" cy="369332"/>
+          </a:xfrm>
+          <a:prstGeom prst="rect">
+            <a:avLst/>
+          </a:prstGeom>
+          <a:noFill/>
+        </p:spPr>
+        <p:txBody>
+          <a:bodyPr wrap="none" rtlCol="0">
+            <a:spAutoFit/>
+          </a:bodyPr>
+          <a:lstStyle/>
+          <a:p>
+            <a:r>
+              <a:rPr lang="de-DE" dirty="0"/>
+              <a:t>Prüfungsstufe 1</a:t>
+            </a:r>
+          </a:p>
+        </p:txBody>
+      </p:sp>
+      <p:sp>
+        <p:nvSpPr>
+          <p:cNvPr id="9" name="Textfeld 8"/>
+          <p:cNvSpPr txBox="1"/>
+          <p:nvPr/>
+        </p:nvSpPr>
+        <p:spPr>
+          <a:xfrm>
+            <a:off x="8460451" y="2781493"/>
+            <a:ext cx="1854995" cy="369332"/>
+          </a:xfrm>
+          <a:prstGeom prst="rect">
+            <a:avLst/>
+          </a:prstGeom>
+          <a:noFill/>
+        </p:spPr>
+        <p:txBody>
+          <a:bodyPr wrap="none" rtlCol="0">
+            <a:spAutoFit/>
+          </a:bodyPr>
+          <a:lstStyle/>
+          <a:p>
+            <a:r>
+              <a:rPr lang="de-DE" dirty="0"/>
+              <a:t>Prüfungsstufe 2</a:t>
+            </a:r>
           </a:p>
         </p:txBody>
       </p:sp>
@@ -11047,6 +11129,33 @@
                                   </p:childTnLst>
                                 </p:cTn>
                               </p:par>
+                              <p:par>
+                                <p:cTn id="9" presetID="1" presetClass="entr" presetSubtype="0" fill="hold" grpId="0" nodeType="withEffect">
+                                  <p:stCondLst>
+                                    <p:cond delay="0"/>
+                                  </p:stCondLst>
+                                  <p:childTnLst>
+                                    <p:set>
+                                      <p:cBhvr>
+                                        <p:cTn id="10" dur="1" fill="hold">
+                                          <p:stCondLst>
+                                            <p:cond delay="0"/>
+                                          </p:stCondLst>
+                                        </p:cTn>
+                                        <p:tgtEl>
+                                          <p:spTgt spid="9"/>
+                                        </p:tgtEl>
+                                        <p:attrNameLst>
+                                          <p:attrName>style.visibility</p:attrName>
+                                        </p:attrNameLst>
+                                      </p:cBhvr>
+                                      <p:to>
+                                        <p:strVal val="visible"/>
+                                      </p:to>
+                                    </p:set>
+                                  </p:childTnLst>
+                                </p:cTn>
+                              </p:par>
                             </p:childTnLst>
                           </p:cTn>
                         </p:par>
@@ -11076,6 +11185,7 @@
     </p:tnLst>
     <p:bldLst>
       <p:bldP spid="6" grpId="0" animBg="1"/>
+      <p:bldP spid="9" grpId="0"/>
     </p:bldLst>
   </p:timing>
 </p:sld>
@@ -11213,7 +11323,7 @@
           <a:p>
             <a:fld id="{086F0895-350C-4319-9A99-EB7EA0C1D7AE}" type="datetime1">
               <a:rPr lang="en-GB" smtClean="0"/>
-              <a:t>30/06/2017</a:t>
+              <a:t>06/07/2017</a:t>
             </a:fld>
             <a:endParaRPr lang="en-GB"/>
           </a:p>
@@ -11463,7 +11573,7 @@
           <a:p>
             <a:fld id="{428B0CFC-297E-401F-999F-9E6D4DC783D9}" type="datetime1">
               <a:rPr lang="en-GB" smtClean="0"/>
-              <a:t>30/06/2017</a:t>
+              <a:t>06/07/2017</a:t>
             </a:fld>
             <a:endParaRPr lang="en-GB"/>
           </a:p>
@@ -11838,7 +11948,7 @@
           <a:p>
             <a:fld id="{22D93F98-2C5F-4608-9E05-015046598447}" type="datetime1">
               <a:rPr lang="en-GB" smtClean="0"/>
-              <a:t>30/06/2017</a:t>
+              <a:t>06/07/2017</a:t>
             </a:fld>
             <a:endParaRPr lang="en-GB"/>
           </a:p>
@@ -12294,7 +12404,7 @@
           <a:p>
             <a:fld id="{AA464A36-8C49-4EF5-9E35-A0C7D8EEEB2A}" type="datetime1">
               <a:rPr lang="en-GB" smtClean="0"/>
-              <a:t>30/06/2017</a:t>
+              <a:t>06/07/2017</a:t>
             </a:fld>
             <a:endParaRPr lang="en-GB"/>
           </a:p>
@@ -13152,7 +13262,7 @@
           <a:p>
             <a:fld id="{422181BB-6E71-4556-98B3-F26008078D10}" type="datetime1">
               <a:rPr lang="en-GB" smtClean="0"/>
-              <a:t>30/06/2017</a:t>
+              <a:t>06/07/2017</a:t>
             </a:fld>
             <a:endParaRPr lang="en-GB"/>
           </a:p>
@@ -14132,7 +14242,7 @@
           <a:p>
             <a:fld id="{E25ABBA8-BCDC-4DF1-8C4F-558954363317}" type="datetime1">
               <a:rPr lang="en-GB" smtClean="0"/>
-              <a:t>30/06/2017</a:t>
+              <a:t>06/07/2017</a:t>
             </a:fld>
             <a:endParaRPr lang="en-GB"/>
           </a:p>
@@ -14294,7 +14404,7 @@
           <a:p>
             <a:fld id="{6F668CF4-7B81-4AAB-9B6D-1DFBDDB9A17F}" type="datetime1">
               <a:rPr lang="en-GB" smtClean="0"/>
-              <a:t>30/06/2017</a:t>
+              <a:t>06/07/2017</a:t>
             </a:fld>
             <a:endParaRPr lang="en-GB"/>
           </a:p>
@@ -14738,7 +14848,7 @@
           <a:p>
             <a:fld id="{588DFB3F-48FD-4DD3-8916-5F94F1D461EB}" type="datetime1">
               <a:rPr lang="en-GB" smtClean="0"/>
-              <a:t>30/06/2017</a:t>
+              <a:t>06/07/2017</a:t>
             </a:fld>
             <a:endParaRPr lang="en-GB"/>
           </a:p>
@@ -14889,7 +14999,7 @@
           <a:p>
             <a:fld id="{1F560D75-22DD-4FF3-8BF5-46BBA42C6549}" type="datetime1">
               <a:rPr lang="en-GB" smtClean="0"/>
-              <a:t>30/06/2017</a:t>
+              <a:t>06/07/2017</a:t>
             </a:fld>
             <a:endParaRPr lang="en-GB"/>
           </a:p>
@@ -15040,7 +15150,7 @@
           <a:p>
             <a:fld id="{17F3EC16-58CC-4289-9E3B-FECFD6015B13}" type="datetime1">
               <a:rPr lang="en-GB" smtClean="0"/>
-              <a:t>30/06/2017</a:t>
+              <a:t>06/07/2017</a:t>
             </a:fld>
             <a:endParaRPr lang="en-GB"/>
           </a:p>
@@ -15158,7 +15268,7 @@
           <a:p>
             <a:fld id="{FECF5BDF-79E0-4862-8382-4D401BB22DA8}" type="datetime1">
               <a:rPr lang="en-GB" smtClean="0"/>
-              <a:t>30/06/2017</a:t>
+              <a:t>06/07/2017</a:t>
             </a:fld>
             <a:endParaRPr lang="en-GB"/>
           </a:p>
@@ -15717,7 +15827,7 @@
           <a:p>
             <a:fld id="{91899BFE-3B45-4CE7-8591-B33317569FE6}" type="datetime1">
               <a:rPr lang="en-GB" smtClean="0"/>
-              <a:t>30/06/2017</a:t>
+              <a:t>06/07/2017</a:t>
             </a:fld>
             <a:endParaRPr lang="en-GB"/>
           </a:p>
@@ -16591,7 +16701,7 @@
       </p:sp>
       <p:pic>
         <p:nvPicPr>
-          <p:cNvPr id="3074" name="Picture 2" descr="http://www.free-icons-download.net/images/upload-logo-icon-73898.png"/>
+          <p:cNvPr id="3082" name="Picture 10" descr="Bildergebnis für like"/>
           <p:cNvPicPr>
             <a:picLocks noChangeAspect="1" noChangeArrowheads="1"/>
           </p:cNvPicPr>
@@ -16599,158 +16709,6 @@
         </p:nvPicPr>
         <p:blipFill>
           <a:blip r:embed="rId8" cstate="print">
-            <a:extLst>
-              <a:ext uri="{28A0092B-C50C-407E-A947-70E740481C1C}">
-                <a14:useLocalDpi xmlns:a14="http://schemas.microsoft.com/office/drawing/2010/main" val="0"/>
-              </a:ext>
-            </a:extLst>
-          </a:blip>
-          <a:srcRect/>
-          <a:stretch>
-            <a:fillRect/>
-          </a:stretch>
-        </p:blipFill>
-        <p:spPr bwMode="auto">
-          <a:xfrm>
-            <a:off x="9032953" y="4209467"/>
-            <a:ext cx="1338326" cy="1338326"/>
-          </a:xfrm>
-          <a:prstGeom prst="rect">
-            <a:avLst/>
-          </a:prstGeom>
-          <a:noFill/>
-          <a:extLst>
-            <a:ext uri="{909E8E84-426E-40DD-AFC4-6F175D3DCCD1}">
-              <a14:hiddenFill xmlns:a14="http://schemas.microsoft.com/office/drawing/2010/main">
-                <a:solidFill>
-                  <a:srgbClr val="FFFFFF"/>
-                </a:solidFill>
-              </a14:hiddenFill>
-            </a:ext>
-          </a:extLst>
-        </p:spPr>
-      </p:pic>
-      <p:sp>
-        <p:nvSpPr>
-          <p:cNvPr id="20" name="Textfeld 19"/>
-          <p:cNvSpPr txBox="1"/>
-          <p:nvPr/>
-        </p:nvSpPr>
-        <p:spPr>
-          <a:xfrm>
-            <a:off x="8339403" y="5178461"/>
-            <a:ext cx="2725426" cy="369332"/>
-          </a:xfrm>
-          <a:prstGeom prst="rect">
-            <a:avLst/>
-          </a:prstGeom>
-          <a:noFill/>
-        </p:spPr>
-        <p:txBody>
-          <a:bodyPr wrap="none" rtlCol="0">
-            <a:spAutoFit/>
-          </a:bodyPr>
-          <a:lstStyle/>
-          <a:p>
-            <a:r>
-              <a:rPr lang="de-DE" dirty="0"/>
-              <a:t>Hochgeladene Inhalte</a:t>
-            </a:r>
-          </a:p>
-        </p:txBody>
-      </p:sp>
-      <p:pic>
-        <p:nvPicPr>
-          <p:cNvPr id="3076" name="Picture 4" descr="Bildergebnis für gallery icon"/>
-          <p:cNvPicPr>
-            <a:picLocks noChangeAspect="1" noChangeArrowheads="1"/>
-          </p:cNvPicPr>
-          <p:nvPr/>
-        </p:nvPicPr>
-        <p:blipFill>
-          <a:blip r:embed="rId9">
-            <a:extLst>
-              <a:ext uri="{28A0092B-C50C-407E-A947-70E740481C1C}">
-                <a14:useLocalDpi xmlns:a14="http://schemas.microsoft.com/office/drawing/2010/main" val="0"/>
-              </a:ext>
-            </a:extLst>
-          </a:blip>
-          <a:srcRect/>
-          <a:stretch>
-            <a:fillRect/>
-          </a:stretch>
-        </p:blipFill>
-        <p:spPr bwMode="auto">
-          <a:xfrm>
-            <a:off x="9915117" y="4097128"/>
-            <a:ext cx="912324" cy="912324"/>
-          </a:xfrm>
-          <a:prstGeom prst="rect">
-            <a:avLst/>
-          </a:prstGeom>
-          <a:noFill/>
-          <a:extLst>
-            <a:ext uri="{909E8E84-426E-40DD-AFC4-6F175D3DCCD1}">
-              <a14:hiddenFill xmlns:a14="http://schemas.microsoft.com/office/drawing/2010/main">
-                <a:solidFill>
-                  <a:srgbClr val="FFFFFF"/>
-                </a:solidFill>
-              </a14:hiddenFill>
-            </a:ext>
-          </a:extLst>
-        </p:spPr>
-      </p:pic>
-      <p:pic>
-        <p:nvPicPr>
-          <p:cNvPr id="3080" name="Picture 8" descr="http://icons.iconarchive.com/icons/designbolts/seo/256/Review-Post-icon.png"/>
-          <p:cNvPicPr>
-            <a:picLocks noChangeAspect="1" noChangeArrowheads="1"/>
-          </p:cNvPicPr>
-          <p:nvPr/>
-        </p:nvPicPr>
-        <p:blipFill>
-          <a:blip r:embed="rId10" cstate="print">
-            <a:extLst>
-              <a:ext uri="{28A0092B-C50C-407E-A947-70E740481C1C}">
-                <a14:useLocalDpi xmlns:a14="http://schemas.microsoft.com/office/drawing/2010/main" val="0"/>
-              </a:ext>
-            </a:extLst>
-          </a:blip>
-          <a:srcRect/>
-          <a:stretch>
-            <a:fillRect/>
-          </a:stretch>
-        </p:blipFill>
-        <p:spPr bwMode="auto">
-          <a:xfrm>
-            <a:off x="8657537" y="4210892"/>
-            <a:ext cx="723007" cy="723007"/>
-          </a:xfrm>
-          <a:prstGeom prst="rect">
-            <a:avLst/>
-          </a:prstGeom>
-          <a:noFill/>
-          <a:extLst>
-            <a:ext uri="{909E8E84-426E-40DD-AFC4-6F175D3DCCD1}">
-              <a14:hiddenFill xmlns:a14="http://schemas.microsoft.com/office/drawing/2010/main">
-                <a:solidFill>
-                  <a:srgbClr val="FFFFFF"/>
-                </a:solidFill>
-              </a14:hiddenFill>
-            </a:ext>
-          </a:extLst>
-        </p:spPr>
-      </p:pic>
-      <p:pic>
-        <p:nvPicPr>
-          <p:cNvPr id="3082" name="Picture 10" descr="Bildergebnis für like"/>
-          <p:cNvPicPr>
-            <a:picLocks noChangeAspect="1" noChangeArrowheads="1"/>
-          </p:cNvPicPr>
-          <p:nvPr/>
-        </p:nvPicPr>
-        <p:blipFill>
-          <a:blip r:embed="rId11" cstate="print">
             <a:extLst>
               <a:ext uri="{28A0092B-C50C-407E-A947-70E740481C1C}">
                 <a14:useLocalDpi xmlns:a14="http://schemas.microsoft.com/office/drawing/2010/main" val="0"/>
@@ -16828,7 +16786,7 @@
           <a:p>
             <a:fld id="{0116998B-1528-4B9A-8F24-6E87C29EE8E7}" type="datetime1">
               <a:rPr lang="en-GB" smtClean="0"/>
-              <a:t>30/06/2017</a:t>
+              <a:t>06/07/2017</a:t>
             </a:fld>
             <a:endParaRPr lang="en-GB"/>
           </a:p>
@@ -16857,6 +16815,158 @@
           </a:p>
         </p:txBody>
       </p:sp>
+      <p:pic>
+        <p:nvPicPr>
+          <p:cNvPr id="22" name="Picture 2" descr="http://www.free-icons-download.net/images/upload-logo-icon-73898.png"/>
+          <p:cNvPicPr>
+            <a:picLocks noChangeAspect="1" noChangeArrowheads="1"/>
+          </p:cNvPicPr>
+          <p:nvPr/>
+        </p:nvPicPr>
+        <p:blipFill>
+          <a:blip r:embed="rId9" cstate="print">
+            <a:extLst>
+              <a:ext uri="{28A0092B-C50C-407E-A947-70E740481C1C}">
+                <a14:useLocalDpi xmlns:a14="http://schemas.microsoft.com/office/drawing/2010/main" val="0"/>
+              </a:ext>
+            </a:extLst>
+          </a:blip>
+          <a:srcRect/>
+          <a:stretch>
+            <a:fillRect/>
+          </a:stretch>
+        </p:blipFill>
+        <p:spPr bwMode="auto">
+          <a:xfrm>
+            <a:off x="8753062" y="4317803"/>
+            <a:ext cx="1338326" cy="1338326"/>
+          </a:xfrm>
+          <a:prstGeom prst="rect">
+            <a:avLst/>
+          </a:prstGeom>
+          <a:noFill/>
+          <a:extLst>
+            <a:ext uri="{909E8E84-426E-40DD-AFC4-6F175D3DCCD1}">
+              <a14:hiddenFill xmlns:a14="http://schemas.microsoft.com/office/drawing/2010/main">
+                <a:solidFill>
+                  <a:srgbClr val="FFFFFF"/>
+                </a:solidFill>
+              </a14:hiddenFill>
+            </a:ext>
+          </a:extLst>
+        </p:spPr>
+      </p:pic>
+      <p:sp>
+        <p:nvSpPr>
+          <p:cNvPr id="23" name="Textfeld 22"/>
+          <p:cNvSpPr txBox="1"/>
+          <p:nvPr/>
+        </p:nvSpPr>
+        <p:spPr>
+          <a:xfrm>
+            <a:off x="8059512" y="5286797"/>
+            <a:ext cx="2725426" cy="369332"/>
+          </a:xfrm>
+          <a:prstGeom prst="rect">
+            <a:avLst/>
+          </a:prstGeom>
+          <a:noFill/>
+        </p:spPr>
+        <p:txBody>
+          <a:bodyPr wrap="none" rtlCol="0">
+            <a:spAutoFit/>
+          </a:bodyPr>
+          <a:lstStyle/>
+          <a:p>
+            <a:r>
+              <a:rPr lang="de-DE" dirty="0"/>
+              <a:t>Hochgeladene Inhalte</a:t>
+            </a:r>
+          </a:p>
+        </p:txBody>
+      </p:sp>
+      <p:pic>
+        <p:nvPicPr>
+          <p:cNvPr id="24" name="Picture 4" descr="Bildergebnis für gallery icon"/>
+          <p:cNvPicPr>
+            <a:picLocks noChangeAspect="1" noChangeArrowheads="1"/>
+          </p:cNvPicPr>
+          <p:nvPr/>
+        </p:nvPicPr>
+        <p:blipFill>
+          <a:blip r:embed="rId10">
+            <a:extLst>
+              <a:ext uri="{28A0092B-C50C-407E-A947-70E740481C1C}">
+                <a14:useLocalDpi xmlns:a14="http://schemas.microsoft.com/office/drawing/2010/main" val="0"/>
+              </a:ext>
+            </a:extLst>
+          </a:blip>
+          <a:srcRect/>
+          <a:stretch>
+            <a:fillRect/>
+          </a:stretch>
+        </p:blipFill>
+        <p:spPr bwMode="auto">
+          <a:xfrm>
+            <a:off x="9635226" y="4205464"/>
+            <a:ext cx="912324" cy="912324"/>
+          </a:xfrm>
+          <a:prstGeom prst="rect">
+            <a:avLst/>
+          </a:prstGeom>
+          <a:noFill/>
+          <a:extLst>
+            <a:ext uri="{909E8E84-426E-40DD-AFC4-6F175D3DCCD1}">
+              <a14:hiddenFill xmlns:a14="http://schemas.microsoft.com/office/drawing/2010/main">
+                <a:solidFill>
+                  <a:srgbClr val="FFFFFF"/>
+                </a:solidFill>
+              </a14:hiddenFill>
+            </a:ext>
+          </a:extLst>
+        </p:spPr>
+      </p:pic>
+      <p:pic>
+        <p:nvPicPr>
+          <p:cNvPr id="26" name="Picture 8" descr="http://icons.iconarchive.com/icons/designbolts/seo/256/Review-Post-icon.png"/>
+          <p:cNvPicPr>
+            <a:picLocks noChangeAspect="1" noChangeArrowheads="1"/>
+          </p:cNvPicPr>
+          <p:nvPr/>
+        </p:nvPicPr>
+        <p:blipFill>
+          <a:blip r:embed="rId11" cstate="print">
+            <a:extLst>
+              <a:ext uri="{28A0092B-C50C-407E-A947-70E740481C1C}">
+                <a14:useLocalDpi xmlns:a14="http://schemas.microsoft.com/office/drawing/2010/main" val="0"/>
+              </a:ext>
+            </a:extLst>
+          </a:blip>
+          <a:srcRect/>
+          <a:stretch>
+            <a:fillRect/>
+          </a:stretch>
+        </p:blipFill>
+        <p:spPr bwMode="auto">
+          <a:xfrm>
+            <a:off x="8377646" y="4319228"/>
+            <a:ext cx="723007" cy="723007"/>
+          </a:xfrm>
+          <a:prstGeom prst="rect">
+            <a:avLst/>
+          </a:prstGeom>
+          <a:noFill/>
+          <a:extLst>
+            <a:ext uri="{909E8E84-426E-40DD-AFC4-6F175D3DCCD1}">
+              <a14:hiddenFill xmlns:a14="http://schemas.microsoft.com/office/drawing/2010/main">
+                <a:solidFill>
+                  <a:srgbClr val="FFFFFF"/>
+                </a:solidFill>
+              </a14:hiddenFill>
+            </a:ext>
+          </a:extLst>
+        </p:spPr>
+      </p:pic>
     </p:spTree>
     <p:extLst>
       <p:ext uri="{BB962C8B-B14F-4D97-AF65-F5344CB8AC3E}">
@@ -16901,7 +17011,7 @@
                                           </p:stCondLst>
                                         </p:cTn>
                                         <p:tgtEl>
-                                          <p:spTgt spid="3074"/>
+                                          <p:spTgt spid="22"/>
                                         </p:tgtEl>
                                         <p:attrNameLst>
                                           <p:attrName>style.visibility</p:attrName>
@@ -16928,7 +17038,7 @@
                                           </p:stCondLst>
                                         </p:cTn>
                                         <p:tgtEl>
-                                          <p:spTgt spid="20"/>
+                                          <p:spTgt spid="23"/>
                                         </p:tgtEl>
                                         <p:attrNameLst>
                                           <p:attrName>style.visibility</p:attrName>
@@ -16955,7 +17065,7 @@
                                           </p:stCondLst>
                                         </p:cTn>
                                         <p:tgtEl>
-                                          <p:spTgt spid="3076"/>
+                                          <p:spTgt spid="24"/>
                                         </p:tgtEl>
                                         <p:attrNameLst>
                                           <p:attrName>style.visibility</p:attrName>
@@ -16982,7 +17092,7 @@
                                           </p:stCondLst>
                                         </p:cTn>
                                         <p:tgtEl>
-                                          <p:spTgt spid="3080"/>
+                                          <p:spTgt spid="26"/>
                                         </p:tgtEl>
                                         <p:attrNameLst>
                                           <p:attrName>style.visibility</p:attrName>
@@ -17095,8 +17205,8 @@
       </p:par>
     </p:tnLst>
     <p:bldLst>
-      <p:bldP spid="20" grpId="0"/>
       <p:bldP spid="25" grpId="0"/>
+      <p:bldP spid="23" grpId="0"/>
     </p:bldLst>
   </p:timing>
 </p:sld>
@@ -17186,7 +17296,7 @@
           <a:p>
             <a:fld id="{1F9C837C-6D7E-4F62-A2D0-19997C52C3FA}" type="datetime1">
               <a:rPr lang="en-GB" smtClean="0"/>
-              <a:t>30/06/2017</a:t>
+              <a:t>06/07/2017</a:t>
             </a:fld>
             <a:endParaRPr lang="en-GB"/>
           </a:p>
@@ -17827,7 +17937,7 @@
           <a:p>
             <a:fld id="{B2105120-77FB-48E3-8DEB-945ED491BC14}" type="datetime1">
               <a:rPr lang="en-GB" smtClean="0"/>
-              <a:t>30/06/2017</a:t>
+              <a:t>06/07/2017</a:t>
             </a:fld>
             <a:endParaRPr lang="en-GB"/>
           </a:p>

--- a/Praesentation/Nationale und internationale Datenschutzregelungen in sozialen Netzwerken.pptx
+++ b/Praesentation/Nationale und internationale Datenschutzregelungen in sozialen Netzwerken.pptx
@@ -375,7 +375,7 @@
           <a:p>
             <a:fld id="{8B35E942-1B26-4F66-9D19-3EC31E4C37AC}" type="slidenum">
               <a:rPr lang="de-DE" smtClean="0"/>
-              <a:t>‹Nr.›</a:t>
+              <a:t>‹#›</a:t>
             </a:fld>
             <a:endParaRPr lang="de-DE"/>
           </a:p>
@@ -1627,7 +1627,6 @@
               <a:rPr lang="de-DE" dirty="0"/>
               <a:t>Kontakte und Online-Status fallen weg</a:t>
             </a:r>
-            <a:endParaRPr lang="de-DE" dirty="0"/>
           </a:p>
           <a:p>
             <a:pPr marL="171450" indent="-171450">
@@ -2625,7 +2624,7 @@
           <a:p>
             <a:fld id="{B18443CD-91C8-40EA-B032-0D2C33D631FE}" type="slidenum">
               <a:rPr lang="en-GB" smtClean="0"/>
-              <a:t>‹Nr.›</a:t>
+              <a:t>‹#›</a:t>
             </a:fld>
             <a:endParaRPr lang="en-GB"/>
           </a:p>
@@ -2963,7 +2962,7 @@
           <a:p>
             <a:fld id="{B18443CD-91C8-40EA-B032-0D2C33D631FE}" type="slidenum">
               <a:rPr lang="en-GB" smtClean="0"/>
-              <a:t>‹Nr.›</a:t>
+              <a:t>‹#›</a:t>
             </a:fld>
             <a:endParaRPr lang="en-GB"/>
           </a:p>
@@ -3364,7 +3363,7 @@
           <a:p>
             <a:fld id="{B18443CD-91C8-40EA-B032-0D2C33D631FE}" type="slidenum">
               <a:rPr lang="en-GB" smtClean="0"/>
-              <a:t>‹Nr.›</a:t>
+              <a:t>‹#›</a:t>
             </a:fld>
             <a:endParaRPr lang="en-GB"/>
           </a:p>
@@ -3700,7 +3699,7 @@
           <a:p>
             <a:fld id="{B18443CD-91C8-40EA-B032-0D2C33D631FE}" type="slidenum">
               <a:rPr lang="en-GB" smtClean="0"/>
-              <a:t>‹Nr.›</a:t>
+              <a:t>‹#›</a:t>
             </a:fld>
             <a:endParaRPr lang="en-GB"/>
           </a:p>
@@ -4020,7 +4019,7 @@
           <a:p>
             <a:fld id="{B18443CD-91C8-40EA-B032-0D2C33D631FE}" type="slidenum">
               <a:rPr lang="en-GB" smtClean="0"/>
-              <a:t>‹Nr.›</a:t>
+              <a:t>‹#›</a:t>
             </a:fld>
             <a:endParaRPr lang="en-GB"/>
           </a:p>
@@ -4416,7 +4415,7 @@
           <a:p>
             <a:fld id="{B18443CD-91C8-40EA-B032-0D2C33D631FE}" type="slidenum">
               <a:rPr lang="en-GB" smtClean="0"/>
-              <a:t>‹Nr.›</a:t>
+              <a:t>‹#›</a:t>
             </a:fld>
             <a:endParaRPr lang="en-GB"/>
           </a:p>
@@ -4668,7 +4667,7 @@
           <a:p>
             <a:fld id="{B18443CD-91C8-40EA-B032-0D2C33D631FE}" type="slidenum">
               <a:rPr lang="en-GB" smtClean="0"/>
-              <a:t>‹Nr.›</a:t>
+              <a:t>‹#›</a:t>
             </a:fld>
             <a:endParaRPr lang="en-GB"/>
           </a:p>
@@ -4930,7 +4929,7 @@
           <a:p>
             <a:fld id="{B18443CD-91C8-40EA-B032-0D2C33D631FE}" type="slidenum">
               <a:rPr lang="en-GB" smtClean="0"/>
-              <a:t>‹Nr.›</a:t>
+              <a:t>‹#›</a:t>
             </a:fld>
             <a:endParaRPr lang="en-GB"/>
           </a:p>
@@ -5192,7 +5191,7 @@
           <a:p>
             <a:fld id="{B18443CD-91C8-40EA-B032-0D2C33D631FE}" type="slidenum">
               <a:rPr lang="en-GB" smtClean="0"/>
-              <a:t>‹Nr.›</a:t>
+              <a:t>‹#›</a:t>
             </a:fld>
             <a:endParaRPr lang="en-GB"/>
           </a:p>
@@ -5526,7 +5525,7 @@
           <a:p>
             <a:fld id="{B18443CD-91C8-40EA-B032-0D2C33D631FE}" type="slidenum">
               <a:rPr lang="en-GB" smtClean="0"/>
-              <a:t>‹Nr.›</a:t>
+              <a:t>‹#›</a:t>
             </a:fld>
             <a:endParaRPr lang="en-GB"/>
           </a:p>
@@ -5849,7 +5848,7 @@
           <a:p>
             <a:fld id="{B18443CD-91C8-40EA-B032-0D2C33D631FE}" type="slidenum">
               <a:rPr lang="en-GB" smtClean="0"/>
-              <a:t>‹Nr.›</a:t>
+              <a:t>‹#›</a:t>
             </a:fld>
             <a:endParaRPr lang="en-GB"/>
           </a:p>
@@ -6306,7 +6305,7 @@
           <a:p>
             <a:fld id="{B18443CD-91C8-40EA-B032-0D2C33D631FE}" type="slidenum">
               <a:rPr lang="en-GB" smtClean="0"/>
-              <a:t>‹Nr.›</a:t>
+              <a:t>‹#›</a:t>
             </a:fld>
             <a:endParaRPr lang="en-GB"/>
           </a:p>
@@ -6506,7 +6505,7 @@
           <a:p>
             <a:fld id="{B18443CD-91C8-40EA-B032-0D2C33D631FE}" type="slidenum">
               <a:rPr lang="en-GB" smtClean="0"/>
-              <a:t>‹Nr.›</a:t>
+              <a:t>‹#›</a:t>
             </a:fld>
             <a:endParaRPr lang="en-GB"/>
           </a:p>
@@ -6683,7 +6682,7 @@
           <a:p>
             <a:fld id="{B18443CD-91C8-40EA-B032-0D2C33D631FE}" type="slidenum">
               <a:rPr lang="en-GB" smtClean="0"/>
-              <a:t>‹Nr.›</a:t>
+              <a:t>‹#›</a:t>
             </a:fld>
             <a:endParaRPr lang="en-GB"/>
           </a:p>
@@ -7016,7 +7015,7 @@
           <a:p>
             <a:fld id="{B18443CD-91C8-40EA-B032-0D2C33D631FE}" type="slidenum">
               <a:rPr lang="en-GB" smtClean="0"/>
-              <a:t>‹Nr.›</a:t>
+              <a:t>‹#›</a:t>
             </a:fld>
             <a:endParaRPr lang="en-GB"/>
           </a:p>
@@ -7366,7 +7365,7 @@
           <a:p>
             <a:fld id="{B18443CD-91C8-40EA-B032-0D2C33D631FE}" type="slidenum">
               <a:rPr lang="en-GB" smtClean="0"/>
-              <a:t>‹Nr.›</a:t>
+              <a:t>‹#›</a:t>
             </a:fld>
             <a:endParaRPr lang="en-GB"/>
           </a:p>
@@ -9430,7 +9429,7 @@
           <a:p>
             <a:fld id="{B18443CD-91C8-40EA-B032-0D2C33D631FE}" type="slidenum">
               <a:rPr lang="en-GB" smtClean="0"/>
-              <a:t>‹Nr.›</a:t>
+              <a:t>‹#›</a:t>
             </a:fld>
             <a:endParaRPr lang="en-GB"/>
           </a:p>
@@ -9967,6 +9966,13 @@
   <p:clrMapOvr>
     <a:masterClrMapping/>
   </p:clrMapOvr>
+  <p:timing>
+    <p:tnLst>
+      <p:par>
+        <p:cTn id="1" dur="indefinite" restart="never" nodeType="tmRoot"/>
+      </p:par>
+    </p:tnLst>
+  </p:timing>
 </p:sld>
 </file>
 
@@ -10050,24 +10056,14 @@
           <a:p>
             <a:r>
               <a:rPr lang="de-DE" dirty="0"/>
-              <a:t>Anzeige von maßgeschneiderten Inhalten &amp; Werbung</a:t>
-            </a:r>
+              <a:t>Anzeige von maßgeschneiderten Inhalten &amp; Werbung (Facebook &amp; Twitter)</a:t>
+            </a:r>
+          </a:p>
+          <a:p>
             <a:r>
               <a:rPr lang="de-DE" dirty="0"/>
-              <a:t> (Facebook &amp; Twitter)</a:t>
-            </a:r>
-            <a:endParaRPr lang="de-DE" dirty="0"/>
-          </a:p>
-          <a:p>
-            <a:r>
-              <a:rPr lang="de-DE" dirty="0"/>
-              <a:t>Anzeige von standortabhängige Inhalten &amp; Werbung</a:t>
-            </a:r>
-            <a:r>
-              <a:rPr lang="de-DE" dirty="0"/>
-              <a:t> (Facebook &amp; Twitter)</a:t>
-            </a:r>
-            <a:endParaRPr lang="de-DE" dirty="0"/>
+              <a:t>Anzeige von standortabhängige Inhalten &amp; Werbung (Facebook &amp; Twitter)</a:t>
+            </a:r>
           </a:p>
           <a:p>
             <a:r>
@@ -10626,6 +10622,13 @@
   <p:clrMapOvr>
     <a:masterClrMapping/>
   </p:clrMapOvr>
+  <p:timing>
+    <p:tnLst>
+      <p:par>
+        <p:cTn id="1" dur="indefinite" restart="never" nodeType="tmRoot"/>
+      </p:par>
+    </p:tnLst>
+  </p:timing>
 </p:sld>
 </file>
 
@@ -10767,6 +10770,13 @@
   <p:clrMapOvr>
     <a:masterClrMapping/>
   </p:clrMapOvr>
+  <p:timing>
+    <p:tnLst>
+      <p:par>
+        <p:cTn id="1" dur="indefinite" restart="never" nodeType="tmRoot"/>
+      </p:par>
+    </p:tnLst>
+  </p:timing>
 </p:sld>
 </file>
 
@@ -11362,6 +11372,13 @@
   <p:clrMapOvr>
     <a:masterClrMapping/>
   </p:clrMapOvr>
+  <p:timing>
+    <p:tnLst>
+      <p:par>
+        <p:cTn id="1" dur="indefinite" restart="never" nodeType="tmRoot"/>
+      </p:par>
+    </p:tnLst>
+  </p:timing>
 </p:sld>
 </file>
 
@@ -11612,6 +11629,13 @@
   <p:clrMapOvr>
     <a:masterClrMapping/>
   </p:clrMapOvr>
+  <p:timing>
+    <p:tnLst>
+      <p:par>
+        <p:cTn id="1" dur="indefinite" restart="never" nodeType="tmRoot"/>
+      </p:par>
+    </p:tnLst>
+  </p:timing>
 </p:sld>
 </file>
 
@@ -12443,6 +12467,13 @@
   <p:clrMapOvr>
     <a:masterClrMapping/>
   </p:clrMapOvr>
+  <p:timing>
+    <p:tnLst>
+      <p:par>
+        <p:cTn id="1" dur="indefinite" restart="never" nodeType="tmRoot"/>
+      </p:par>
+    </p:tnLst>
+  </p:timing>
 </p:sld>
 </file>
 
@@ -14063,6 +14094,13 @@
   <p:clrMapOvr>
     <a:masterClrMapping/>
   </p:clrMapOvr>
+  <p:timing>
+    <p:tnLst>
+      <p:par>
+        <p:cTn id="1" dur="indefinite" restart="never" nodeType="tmRoot"/>
+      </p:par>
+    </p:tnLst>
+  </p:timing>
 </p:sld>
 </file>
 
@@ -14281,6 +14319,13 @@
   <p:clrMapOvr>
     <a:masterClrMapping/>
   </p:clrMapOvr>
+  <p:timing>
+    <p:tnLst>
+      <p:par>
+        <p:cTn id="1" dur="indefinite" restart="never" nodeType="tmRoot"/>
+      </p:par>
+    </p:tnLst>
+  </p:timing>
 </p:sld>
 </file>
 
@@ -14887,6 +14932,13 @@
   <p:clrMapOvr>
     <a:masterClrMapping/>
   </p:clrMapOvr>
+  <p:timing>
+    <p:tnLst>
+      <p:par>
+        <p:cTn id="1" dur="indefinite" restart="never" nodeType="tmRoot"/>
+      </p:par>
+    </p:tnLst>
+  </p:timing>
 </p:sld>
 </file>
 
@@ -15038,6 +15090,232 @@
   <p:clrMapOvr>
     <a:masterClrMapping/>
   </p:clrMapOvr>
+  <p:timing>
+    <p:tnLst>
+      <p:par>
+        <p:cTn id="1" dur="indefinite" restart="never" nodeType="tmRoot">
+          <p:childTnLst>
+            <p:seq concurrent="1" nextAc="seek">
+              <p:cTn id="2" dur="indefinite" nodeType="mainSeq">
+                <p:childTnLst>
+                  <p:par>
+                    <p:cTn id="3" fill="hold">
+                      <p:stCondLst>
+                        <p:cond delay="indefinite"/>
+                      </p:stCondLst>
+                      <p:childTnLst>
+                        <p:par>
+                          <p:cTn id="4" fill="hold">
+                            <p:stCondLst>
+                              <p:cond delay="0"/>
+                            </p:stCondLst>
+                            <p:childTnLst>
+                              <p:par>
+                                <p:cTn id="5" presetID="1" presetClass="entr" presetSubtype="0" fill="hold" nodeType="clickEffect">
+                                  <p:stCondLst>
+                                    <p:cond delay="0"/>
+                                  </p:stCondLst>
+                                  <p:childTnLst>
+                                    <p:set>
+                                      <p:cBhvr>
+                                        <p:cTn id="6" dur="1" fill="hold">
+                                          <p:stCondLst>
+                                            <p:cond delay="0"/>
+                                          </p:stCondLst>
+                                        </p:cTn>
+                                        <p:tgtEl>
+                                          <p:spTgt spid="3">
+                                            <p:txEl>
+                                              <p:pRg st="1" end="1"/>
+                                            </p:txEl>
+                                          </p:spTgt>
+                                        </p:tgtEl>
+                                        <p:attrNameLst>
+                                          <p:attrName>style.visibility</p:attrName>
+                                        </p:attrNameLst>
+                                      </p:cBhvr>
+                                      <p:to>
+                                        <p:strVal val="visible"/>
+                                      </p:to>
+                                    </p:set>
+                                  </p:childTnLst>
+                                </p:cTn>
+                              </p:par>
+                            </p:childTnLst>
+                          </p:cTn>
+                        </p:par>
+                      </p:childTnLst>
+                    </p:cTn>
+                  </p:par>
+                  <p:par>
+                    <p:cTn id="7" fill="hold">
+                      <p:stCondLst>
+                        <p:cond delay="indefinite"/>
+                      </p:stCondLst>
+                      <p:childTnLst>
+                        <p:par>
+                          <p:cTn id="8" fill="hold">
+                            <p:stCondLst>
+                              <p:cond delay="0"/>
+                            </p:stCondLst>
+                            <p:childTnLst>
+                              <p:par>
+                                <p:cTn id="9" presetID="1" presetClass="entr" presetSubtype="0" fill="hold" nodeType="clickEffect">
+                                  <p:stCondLst>
+                                    <p:cond delay="0"/>
+                                  </p:stCondLst>
+                                  <p:childTnLst>
+                                    <p:set>
+                                      <p:cBhvr>
+                                        <p:cTn id="10" dur="1" fill="hold">
+                                          <p:stCondLst>
+                                            <p:cond delay="0"/>
+                                          </p:stCondLst>
+                                        </p:cTn>
+                                        <p:tgtEl>
+                                          <p:spTgt spid="3">
+                                            <p:txEl>
+                                              <p:pRg st="2" end="2"/>
+                                            </p:txEl>
+                                          </p:spTgt>
+                                        </p:tgtEl>
+                                        <p:attrNameLst>
+                                          <p:attrName>style.visibility</p:attrName>
+                                        </p:attrNameLst>
+                                      </p:cBhvr>
+                                      <p:to>
+                                        <p:strVal val="visible"/>
+                                      </p:to>
+                                    </p:set>
+                                  </p:childTnLst>
+                                </p:cTn>
+                              </p:par>
+                            </p:childTnLst>
+                          </p:cTn>
+                        </p:par>
+                      </p:childTnLst>
+                    </p:cTn>
+                  </p:par>
+                  <p:par>
+                    <p:cTn id="11" fill="hold">
+                      <p:stCondLst>
+                        <p:cond delay="indefinite"/>
+                      </p:stCondLst>
+                      <p:childTnLst>
+                        <p:par>
+                          <p:cTn id="12" fill="hold">
+                            <p:stCondLst>
+                              <p:cond delay="0"/>
+                            </p:stCondLst>
+                            <p:childTnLst>
+                              <p:par>
+                                <p:cTn id="13" presetID="1" presetClass="entr" presetSubtype="0" fill="hold" nodeType="clickEffect">
+                                  <p:stCondLst>
+                                    <p:cond delay="0"/>
+                                  </p:stCondLst>
+                                  <p:childTnLst>
+                                    <p:set>
+                                      <p:cBhvr>
+                                        <p:cTn id="14" dur="1" fill="hold">
+                                          <p:stCondLst>
+                                            <p:cond delay="0"/>
+                                          </p:stCondLst>
+                                        </p:cTn>
+                                        <p:tgtEl>
+                                          <p:spTgt spid="3">
+                                            <p:txEl>
+                                              <p:pRg st="3" end="3"/>
+                                            </p:txEl>
+                                          </p:spTgt>
+                                        </p:tgtEl>
+                                        <p:attrNameLst>
+                                          <p:attrName>style.visibility</p:attrName>
+                                        </p:attrNameLst>
+                                      </p:cBhvr>
+                                      <p:to>
+                                        <p:strVal val="visible"/>
+                                      </p:to>
+                                    </p:set>
+                                  </p:childTnLst>
+                                </p:cTn>
+                              </p:par>
+                            </p:childTnLst>
+                          </p:cTn>
+                        </p:par>
+                      </p:childTnLst>
+                    </p:cTn>
+                  </p:par>
+                  <p:par>
+                    <p:cTn id="15" fill="hold">
+                      <p:stCondLst>
+                        <p:cond delay="indefinite"/>
+                      </p:stCondLst>
+                      <p:childTnLst>
+                        <p:par>
+                          <p:cTn id="16" fill="hold">
+                            <p:stCondLst>
+                              <p:cond delay="0"/>
+                            </p:stCondLst>
+                            <p:childTnLst>
+                              <p:par>
+                                <p:cTn id="17" presetID="1" presetClass="entr" presetSubtype="0" fill="hold" nodeType="clickEffect">
+                                  <p:stCondLst>
+                                    <p:cond delay="0"/>
+                                  </p:stCondLst>
+                                  <p:childTnLst>
+                                    <p:set>
+                                      <p:cBhvr>
+                                        <p:cTn id="18" dur="1" fill="hold">
+                                          <p:stCondLst>
+                                            <p:cond delay="0"/>
+                                          </p:stCondLst>
+                                        </p:cTn>
+                                        <p:tgtEl>
+                                          <p:spTgt spid="3">
+                                            <p:txEl>
+                                              <p:pRg st="4" end="4"/>
+                                            </p:txEl>
+                                          </p:spTgt>
+                                        </p:tgtEl>
+                                        <p:attrNameLst>
+                                          <p:attrName>style.visibility</p:attrName>
+                                        </p:attrNameLst>
+                                      </p:cBhvr>
+                                      <p:to>
+                                        <p:strVal val="visible"/>
+                                      </p:to>
+                                    </p:set>
+                                  </p:childTnLst>
+                                </p:cTn>
+                              </p:par>
+                            </p:childTnLst>
+                          </p:cTn>
+                        </p:par>
+                      </p:childTnLst>
+                    </p:cTn>
+                  </p:par>
+                </p:childTnLst>
+              </p:cTn>
+              <p:prevCondLst>
+                <p:cond evt="onPrev" delay="0">
+                  <p:tgtEl>
+                    <p:sldTgt/>
+                  </p:tgtEl>
+                </p:cond>
+              </p:prevCondLst>
+              <p:nextCondLst>
+                <p:cond evt="onNext" delay="0">
+                  <p:tgtEl>
+                    <p:sldTgt/>
+                  </p:tgtEl>
+                </p:cond>
+              </p:nextCondLst>
+            </p:seq>
+          </p:childTnLst>
+        </p:cTn>
+      </p:par>
+    </p:tnLst>
+  </p:timing>
 </p:sld>
 </file>
 
@@ -15189,6 +15467,232 @@
   <p:clrMapOvr>
     <a:masterClrMapping/>
   </p:clrMapOvr>
+  <p:timing>
+    <p:tnLst>
+      <p:par>
+        <p:cTn id="1" dur="indefinite" restart="never" nodeType="tmRoot">
+          <p:childTnLst>
+            <p:seq concurrent="1" nextAc="seek">
+              <p:cTn id="2" dur="indefinite" nodeType="mainSeq">
+                <p:childTnLst>
+                  <p:par>
+                    <p:cTn id="3" fill="hold">
+                      <p:stCondLst>
+                        <p:cond delay="indefinite"/>
+                      </p:stCondLst>
+                      <p:childTnLst>
+                        <p:par>
+                          <p:cTn id="4" fill="hold">
+                            <p:stCondLst>
+                              <p:cond delay="0"/>
+                            </p:stCondLst>
+                            <p:childTnLst>
+                              <p:par>
+                                <p:cTn id="5" presetID="1" presetClass="entr" presetSubtype="0" fill="hold" nodeType="clickEffect">
+                                  <p:stCondLst>
+                                    <p:cond delay="0"/>
+                                  </p:stCondLst>
+                                  <p:childTnLst>
+                                    <p:set>
+                                      <p:cBhvr>
+                                        <p:cTn id="6" dur="1" fill="hold">
+                                          <p:stCondLst>
+                                            <p:cond delay="0"/>
+                                          </p:stCondLst>
+                                        </p:cTn>
+                                        <p:tgtEl>
+                                          <p:spTgt spid="3">
+                                            <p:txEl>
+                                              <p:pRg st="1" end="1"/>
+                                            </p:txEl>
+                                          </p:spTgt>
+                                        </p:tgtEl>
+                                        <p:attrNameLst>
+                                          <p:attrName>style.visibility</p:attrName>
+                                        </p:attrNameLst>
+                                      </p:cBhvr>
+                                      <p:to>
+                                        <p:strVal val="visible"/>
+                                      </p:to>
+                                    </p:set>
+                                  </p:childTnLst>
+                                </p:cTn>
+                              </p:par>
+                            </p:childTnLst>
+                          </p:cTn>
+                        </p:par>
+                      </p:childTnLst>
+                    </p:cTn>
+                  </p:par>
+                  <p:par>
+                    <p:cTn id="7" fill="hold">
+                      <p:stCondLst>
+                        <p:cond delay="indefinite"/>
+                      </p:stCondLst>
+                      <p:childTnLst>
+                        <p:par>
+                          <p:cTn id="8" fill="hold">
+                            <p:stCondLst>
+                              <p:cond delay="0"/>
+                            </p:stCondLst>
+                            <p:childTnLst>
+                              <p:par>
+                                <p:cTn id="9" presetID="1" presetClass="entr" presetSubtype="0" fill="hold" nodeType="clickEffect">
+                                  <p:stCondLst>
+                                    <p:cond delay="0"/>
+                                  </p:stCondLst>
+                                  <p:childTnLst>
+                                    <p:set>
+                                      <p:cBhvr>
+                                        <p:cTn id="10" dur="1" fill="hold">
+                                          <p:stCondLst>
+                                            <p:cond delay="0"/>
+                                          </p:stCondLst>
+                                        </p:cTn>
+                                        <p:tgtEl>
+                                          <p:spTgt spid="3">
+                                            <p:txEl>
+                                              <p:pRg st="2" end="2"/>
+                                            </p:txEl>
+                                          </p:spTgt>
+                                        </p:tgtEl>
+                                        <p:attrNameLst>
+                                          <p:attrName>style.visibility</p:attrName>
+                                        </p:attrNameLst>
+                                      </p:cBhvr>
+                                      <p:to>
+                                        <p:strVal val="visible"/>
+                                      </p:to>
+                                    </p:set>
+                                  </p:childTnLst>
+                                </p:cTn>
+                              </p:par>
+                            </p:childTnLst>
+                          </p:cTn>
+                        </p:par>
+                      </p:childTnLst>
+                    </p:cTn>
+                  </p:par>
+                  <p:par>
+                    <p:cTn id="11" fill="hold">
+                      <p:stCondLst>
+                        <p:cond delay="indefinite"/>
+                      </p:stCondLst>
+                      <p:childTnLst>
+                        <p:par>
+                          <p:cTn id="12" fill="hold">
+                            <p:stCondLst>
+                              <p:cond delay="0"/>
+                            </p:stCondLst>
+                            <p:childTnLst>
+                              <p:par>
+                                <p:cTn id="13" presetID="1" presetClass="entr" presetSubtype="0" fill="hold" nodeType="clickEffect">
+                                  <p:stCondLst>
+                                    <p:cond delay="0"/>
+                                  </p:stCondLst>
+                                  <p:childTnLst>
+                                    <p:set>
+                                      <p:cBhvr>
+                                        <p:cTn id="14" dur="1" fill="hold">
+                                          <p:stCondLst>
+                                            <p:cond delay="0"/>
+                                          </p:stCondLst>
+                                        </p:cTn>
+                                        <p:tgtEl>
+                                          <p:spTgt spid="3">
+                                            <p:txEl>
+                                              <p:pRg st="3" end="3"/>
+                                            </p:txEl>
+                                          </p:spTgt>
+                                        </p:tgtEl>
+                                        <p:attrNameLst>
+                                          <p:attrName>style.visibility</p:attrName>
+                                        </p:attrNameLst>
+                                      </p:cBhvr>
+                                      <p:to>
+                                        <p:strVal val="visible"/>
+                                      </p:to>
+                                    </p:set>
+                                  </p:childTnLst>
+                                </p:cTn>
+                              </p:par>
+                            </p:childTnLst>
+                          </p:cTn>
+                        </p:par>
+                      </p:childTnLst>
+                    </p:cTn>
+                  </p:par>
+                  <p:par>
+                    <p:cTn id="15" fill="hold">
+                      <p:stCondLst>
+                        <p:cond delay="indefinite"/>
+                      </p:stCondLst>
+                      <p:childTnLst>
+                        <p:par>
+                          <p:cTn id="16" fill="hold">
+                            <p:stCondLst>
+                              <p:cond delay="0"/>
+                            </p:stCondLst>
+                            <p:childTnLst>
+                              <p:par>
+                                <p:cTn id="17" presetID="1" presetClass="entr" presetSubtype="0" fill="hold" nodeType="clickEffect">
+                                  <p:stCondLst>
+                                    <p:cond delay="0"/>
+                                  </p:stCondLst>
+                                  <p:childTnLst>
+                                    <p:set>
+                                      <p:cBhvr>
+                                        <p:cTn id="18" dur="1" fill="hold">
+                                          <p:stCondLst>
+                                            <p:cond delay="0"/>
+                                          </p:stCondLst>
+                                        </p:cTn>
+                                        <p:tgtEl>
+                                          <p:spTgt spid="3">
+                                            <p:txEl>
+                                              <p:pRg st="4" end="4"/>
+                                            </p:txEl>
+                                          </p:spTgt>
+                                        </p:tgtEl>
+                                        <p:attrNameLst>
+                                          <p:attrName>style.visibility</p:attrName>
+                                        </p:attrNameLst>
+                                      </p:cBhvr>
+                                      <p:to>
+                                        <p:strVal val="visible"/>
+                                      </p:to>
+                                    </p:set>
+                                  </p:childTnLst>
+                                </p:cTn>
+                              </p:par>
+                            </p:childTnLst>
+                          </p:cTn>
+                        </p:par>
+                      </p:childTnLst>
+                    </p:cTn>
+                  </p:par>
+                </p:childTnLst>
+              </p:cTn>
+              <p:prevCondLst>
+                <p:cond evt="onPrev" delay="0">
+                  <p:tgtEl>
+                    <p:sldTgt/>
+                  </p:tgtEl>
+                </p:cond>
+              </p:prevCondLst>
+              <p:nextCondLst>
+                <p:cond evt="onNext" delay="0">
+                  <p:tgtEl>
+                    <p:sldTgt/>
+                  </p:tgtEl>
+                </p:cond>
+              </p:nextCondLst>
+            </p:seq>
+          </p:childTnLst>
+        </p:cTn>
+      </p:par>
+    </p:tnLst>
+  </p:timing>
 </p:sld>
 </file>
 
@@ -15307,6 +15811,13 @@
   <p:clrMapOvr>
     <a:masterClrMapping/>
   </p:clrMapOvr>
+  <p:timing>
+    <p:tnLst>
+      <p:par>
+        <p:cTn id="1" dur="indefinite" restart="never" nodeType="tmRoot"/>
+      </p:par>
+    </p:tnLst>
+  </p:timing>
 </p:sld>
 </file>
 
@@ -17335,6 +17846,21 @@
   <p:clrMapOvr>
     <a:masterClrMapping/>
   </p:clrMapOvr>
+  <mc:AlternateContent xmlns:mc="http://schemas.openxmlformats.org/markup-compatibility/2006">
+    <mc:Choice xmlns:p14="http://schemas.microsoft.com/office/powerpoint/2010/main" Requires="p14">
+      <p:transition spd="slow" p14:dur="2000"/>
+    </mc:Choice>
+    <mc:Fallback>
+      <p:transition spd="slow"/>
+    </mc:Fallback>
+  </mc:AlternateContent>
+  <p:timing>
+    <p:tnLst>
+      <p:par>
+        <p:cTn id="1" dur="indefinite" restart="never" nodeType="tmRoot"/>
+      </p:par>
+    </p:tnLst>
+  </p:timing>
 </p:sld>
 </file>
 
@@ -17976,6 +18502,13 @@
   <p:clrMapOvr>
     <a:masterClrMapping/>
   </p:clrMapOvr>
+  <p:timing>
+    <p:tnLst>
+      <p:par>
+        <p:cTn id="1" dur="indefinite" restart="never" nodeType="tmRoot"/>
+      </p:par>
+    </p:tnLst>
+  </p:timing>
 </p:sld>
 </file>
 
